--- a/document/Đồ án nhóm 31.pptx
+++ b/document/Đồ án nhóm 31.pptx
@@ -10,6 +10,8 @@
     <p:sldId id="259" r:id="rId4"/>
     <p:sldId id="258" r:id="rId5"/>
     <p:sldId id="285" r:id="rId6"/>
+    <p:sldId id="287" r:id="rId7"/>
+    <p:sldId id="286" r:id="rId8"/>
   </p:sldIdLst>
   <p:sldSz cx="12192000" cy="6858000"/>
   <p:notesSz cx="6858000" cy="9144000"/>
@@ -108,6 +110,11 @@
       </a:defRPr>
     </a:lvl9pPr>
   </p:defaultTextStyle>
+  <p:extLst>
+    <p:ext uri="{EFAFB233-063F-42B5-8137-9DF3F51BA10A}">
+      <p15:sldGuideLst xmlns:p15="http://schemas.microsoft.com/office/powerpoint/2012/main"/>
+    </p:ext>
+  </p:extLst>
 </p:presentation>
 </file>
 
@@ -7653,18 +7660,352 @@
   <p:clrMapOvr>
     <a:masterClrMapping/>
   </p:clrMapOvr>
-  <mc:AlternateContent xmlns:mc="http://schemas.openxmlformats.org/markup-compatibility/2006">
-    <mc:Choice xmlns:p159="http://schemas.microsoft.com/office/powerpoint/2015/09/main" Requires="p159">
+  <mc:AlternateContent xmlns:mc="http://schemas.openxmlformats.org/markup-compatibility/2006" xmlns:p159="http://schemas.microsoft.com/office/powerpoint/2015/09/main">
+    <mc:Choice Requires="p159">
       <p:transition spd="slow">
         <p159:morph option="byObject"/>
       </p:transition>
     </mc:Choice>
-    <mc:Fallback>
+    <mc:Fallback xmlns="">
       <p:transition spd="slow">
         <p:fade/>
       </p:transition>
     </mc:Fallback>
   </mc:AlternateContent>
+</p:sld>
+</file>
+
+<file path=ppt/slides/slide6.xml><?xml version="1.0" encoding="utf-8"?>
+<p:sld xmlns:a="http://schemas.openxmlformats.org/drawingml/2006/main" xmlns:r="http://schemas.openxmlformats.org/officeDocument/2006/relationships" xmlns:p="http://schemas.openxmlformats.org/presentationml/2006/main">
+  <p:cSld>
+    <p:spTree>
+      <p:nvGrpSpPr>
+        <p:cNvPr id="1" name=""/>
+        <p:cNvGrpSpPr/>
+        <p:nvPr/>
+      </p:nvGrpSpPr>
+      <p:grpSpPr>
+        <a:xfrm>
+          <a:off x="0" y="0"/>
+          <a:ext cx="0" cy="0"/>
+          <a:chOff x="0" y="0"/>
+          <a:chExt cx="0" cy="0"/>
+        </a:xfrm>
+      </p:grpSpPr>
+      <p:pic>
+        <p:nvPicPr>
+          <p:cNvPr id="3" name="Picture 2" descr="Diagram, schematic&#10;&#10;Description automatically generated">
+            <a:extLst>
+              <a:ext uri="{FF2B5EF4-FFF2-40B4-BE49-F238E27FC236}">
+                <a16:creationId xmlns:a16="http://schemas.microsoft.com/office/drawing/2014/main" id="{D355D6C9-F102-4EF2-95FB-FCB249557B60}"/>
+              </a:ext>
+            </a:extLst>
+          </p:cNvPr>
+          <p:cNvPicPr>
+            <a:picLocks noChangeAspect="1"/>
+          </p:cNvPicPr>
+          <p:nvPr/>
+        </p:nvPicPr>
+        <p:blipFill>
+          <a:blip r:embed="rId2">
+            <a:extLst>
+              <a:ext uri="{28A0092B-C50C-407E-A947-70E740481C1C}">
+                <a14:useLocalDpi xmlns:a14="http://schemas.microsoft.com/office/drawing/2010/main" val="0"/>
+              </a:ext>
+            </a:extLst>
+          </a:blip>
+          <a:stretch>
+            <a:fillRect/>
+          </a:stretch>
+        </p:blipFill>
+        <p:spPr>
+          <a:xfrm>
+            <a:off x="1007647" y="1780086"/>
+            <a:ext cx="9831258" cy="3297827"/>
+          </a:xfrm>
+          <a:prstGeom prst="rect">
+            <a:avLst/>
+          </a:prstGeom>
+        </p:spPr>
+      </p:pic>
+      <p:sp>
+        <p:nvSpPr>
+          <p:cNvPr id="4" name="TextBox 3">
+            <a:extLst>
+              <a:ext uri="{FF2B5EF4-FFF2-40B4-BE49-F238E27FC236}">
+                <a16:creationId xmlns:a16="http://schemas.microsoft.com/office/drawing/2014/main" id="{3567A6DC-5837-4485-AA4D-406698D1D9B2}"/>
+              </a:ext>
+            </a:extLst>
+          </p:cNvPr>
+          <p:cNvSpPr txBox="1"/>
+          <p:nvPr/>
+        </p:nvSpPr>
+        <p:spPr>
+          <a:xfrm>
+            <a:off x="4377725" y="368287"/>
+            <a:ext cx="2761364" cy="416524"/>
+          </a:xfrm>
+          <a:prstGeom prst="rect">
+            <a:avLst/>
+          </a:prstGeom>
+          <a:noFill/>
+        </p:spPr>
+        <p:txBody>
+          <a:bodyPr wrap="square" rtlCol="0">
+            <a:spAutoFit/>
+          </a:bodyPr>
+          <a:lstStyle/>
+          <a:p>
+            <a:pPr marL="57150" lvl="2" algn="ctr">
+              <a:lnSpc>
+                <a:spcPct val="130000"/>
+              </a:lnSpc>
+              <a:spcBef>
+                <a:spcPts val="600"/>
+              </a:spcBef>
+              <a:spcAft>
+                <a:spcPts val="600"/>
+              </a:spcAft>
+              <a:tabLst>
+                <a:tab pos="461963" algn="l"/>
+              </a:tabLst>
+            </a:pPr>
+            <a:r>
+              <a:rPr lang="vi-VN" sz="1800" b="1">
+                <a:solidFill>
+                  <a:srgbClr val="000000"/>
+                </a:solidFill>
+                <a:effectLst/>
+                <a:latin typeface="Times New Roman" panose="02020603050405020304" pitchFamily="18" charset="0"/>
+                <a:ea typeface="PMingLiU" panose="02020500000000000000" pitchFamily="18" charset="-120"/>
+                <a:cs typeface="Times New Roman" panose="02020603050405020304" pitchFamily="18" charset="0"/>
+              </a:rPr>
+              <a:t>Sơ đồ thực thể</a:t>
+            </a:r>
+            <a:endParaRPr lang="en-US" sz="1800" b="1" dirty="0">
+              <a:solidFill>
+                <a:srgbClr val="000000"/>
+              </a:solidFill>
+              <a:effectLst/>
+              <a:latin typeface="Times New Roman" panose="02020603050405020304" pitchFamily="18" charset="0"/>
+              <a:ea typeface="PMingLiU" panose="02020500000000000000" pitchFamily="18" charset="-120"/>
+              <a:cs typeface="Times New Roman" panose="02020603050405020304" pitchFamily="18" charset="0"/>
+            </a:endParaRPr>
+          </a:p>
+        </p:txBody>
+      </p:sp>
+      <p:cxnSp>
+        <p:nvCxnSpPr>
+          <p:cNvPr id="5" name="Straight Connector 4">
+            <a:extLst>
+              <a:ext uri="{FF2B5EF4-FFF2-40B4-BE49-F238E27FC236}">
+                <a16:creationId xmlns:a16="http://schemas.microsoft.com/office/drawing/2014/main" id="{C77550B2-7555-4C34-BA62-E195DBDC6DD5}"/>
+              </a:ext>
+            </a:extLst>
+          </p:cNvPr>
+          <p:cNvCxnSpPr>
+            <a:cxnSpLocks/>
+          </p:cNvCxnSpPr>
+          <p:nvPr/>
+        </p:nvCxnSpPr>
+        <p:spPr>
+          <a:xfrm>
+            <a:off x="5038069" y="851914"/>
+            <a:ext cx="1576091" cy="0"/>
+          </a:xfrm>
+          <a:prstGeom prst="line">
+            <a:avLst/>
+          </a:prstGeom>
+        </p:spPr>
+        <p:style>
+          <a:lnRef idx="3">
+            <a:schemeClr val="dk1"/>
+          </a:lnRef>
+          <a:fillRef idx="0">
+            <a:schemeClr val="dk1"/>
+          </a:fillRef>
+          <a:effectRef idx="2">
+            <a:schemeClr val="dk1"/>
+          </a:effectRef>
+          <a:fontRef idx="minor">
+            <a:schemeClr val="tx1"/>
+          </a:fontRef>
+        </p:style>
+      </p:cxnSp>
+    </p:spTree>
+    <p:extLst>
+      <p:ext uri="{BB962C8B-B14F-4D97-AF65-F5344CB8AC3E}">
+        <p14:creationId xmlns:p14="http://schemas.microsoft.com/office/powerpoint/2010/main" val="2101089029"/>
+      </p:ext>
+    </p:extLst>
+  </p:cSld>
+  <p:clrMapOvr>
+    <a:masterClrMapping/>
+  </p:clrMapOvr>
+</p:sld>
+</file>
+
+<file path=ppt/slides/slide7.xml><?xml version="1.0" encoding="utf-8"?>
+<p:sld xmlns:a="http://schemas.openxmlformats.org/drawingml/2006/main" xmlns:r="http://schemas.openxmlformats.org/officeDocument/2006/relationships" xmlns:p="http://schemas.openxmlformats.org/presentationml/2006/main">
+  <p:cSld>
+    <p:spTree>
+      <p:nvGrpSpPr>
+        <p:cNvPr id="1" name=""/>
+        <p:cNvGrpSpPr/>
+        <p:nvPr/>
+      </p:nvGrpSpPr>
+      <p:grpSpPr>
+        <a:xfrm>
+          <a:off x="0" y="0"/>
+          <a:ext cx="0" cy="0"/>
+          <a:chOff x="0" y="0"/>
+          <a:chExt cx="0" cy="0"/>
+        </a:xfrm>
+      </p:grpSpPr>
+      <p:sp>
+        <p:nvSpPr>
+          <p:cNvPr id="3" name="TextBox 2">
+            <a:extLst>
+              <a:ext uri="{FF2B5EF4-FFF2-40B4-BE49-F238E27FC236}">
+                <a16:creationId xmlns:a16="http://schemas.microsoft.com/office/drawing/2014/main" id="{65972E4A-6643-42F0-8F93-9767E467639F}"/>
+              </a:ext>
+            </a:extLst>
+          </p:cNvPr>
+          <p:cNvSpPr txBox="1"/>
+          <p:nvPr/>
+        </p:nvSpPr>
+        <p:spPr>
+          <a:xfrm>
+            <a:off x="4316764" y="80905"/>
+            <a:ext cx="2761364" cy="416524"/>
+          </a:xfrm>
+          <a:prstGeom prst="rect">
+            <a:avLst/>
+          </a:prstGeom>
+          <a:noFill/>
+        </p:spPr>
+        <p:txBody>
+          <a:bodyPr wrap="square" rtlCol="0">
+            <a:spAutoFit/>
+          </a:bodyPr>
+          <a:lstStyle/>
+          <a:p>
+            <a:pPr marL="57150" lvl="2" algn="ctr">
+              <a:lnSpc>
+                <a:spcPct val="130000"/>
+              </a:lnSpc>
+              <a:spcBef>
+                <a:spcPts val="600"/>
+              </a:spcBef>
+              <a:spcAft>
+                <a:spcPts val="600"/>
+              </a:spcAft>
+              <a:tabLst>
+                <a:tab pos="461963" algn="l"/>
+              </a:tabLst>
+            </a:pPr>
+            <a:r>
+              <a:rPr lang="vi-VN" sz="1800" b="1" dirty="0">
+                <a:solidFill>
+                  <a:srgbClr val="000000"/>
+                </a:solidFill>
+                <a:effectLst/>
+                <a:latin typeface="Times New Roman" panose="02020603050405020304" pitchFamily="18" charset="0"/>
+                <a:ea typeface="PMingLiU" panose="02020500000000000000" pitchFamily="18" charset="-120"/>
+                <a:cs typeface="Times New Roman" panose="02020603050405020304" pitchFamily="18" charset="0"/>
+              </a:rPr>
+              <a:t>Sơ đồ CSDL</a:t>
+            </a:r>
+            <a:endParaRPr lang="en-US" sz="1800" b="1" dirty="0">
+              <a:solidFill>
+                <a:srgbClr val="000000"/>
+              </a:solidFill>
+              <a:effectLst/>
+              <a:latin typeface="Times New Roman" panose="02020603050405020304" pitchFamily="18" charset="0"/>
+              <a:ea typeface="PMingLiU" panose="02020500000000000000" pitchFamily="18" charset="-120"/>
+              <a:cs typeface="Times New Roman" panose="02020603050405020304" pitchFamily="18" charset="0"/>
+            </a:endParaRPr>
+          </a:p>
+        </p:txBody>
+      </p:sp>
+      <p:cxnSp>
+        <p:nvCxnSpPr>
+          <p:cNvPr id="4" name="Straight Connector 3">
+            <a:extLst>
+              <a:ext uri="{FF2B5EF4-FFF2-40B4-BE49-F238E27FC236}">
+                <a16:creationId xmlns:a16="http://schemas.microsoft.com/office/drawing/2014/main" id="{14CA3010-588E-478A-A270-232F5B169254}"/>
+              </a:ext>
+            </a:extLst>
+          </p:cNvPr>
+          <p:cNvCxnSpPr>
+            <a:cxnSpLocks/>
+          </p:cNvCxnSpPr>
+          <p:nvPr/>
+        </p:nvCxnSpPr>
+        <p:spPr>
+          <a:xfrm>
+            <a:off x="4924857" y="529697"/>
+            <a:ext cx="1576091" cy="0"/>
+          </a:xfrm>
+          <a:prstGeom prst="line">
+            <a:avLst/>
+          </a:prstGeom>
+        </p:spPr>
+        <p:style>
+          <a:lnRef idx="3">
+            <a:schemeClr val="dk1"/>
+          </a:lnRef>
+          <a:fillRef idx="0">
+            <a:schemeClr val="dk1"/>
+          </a:fillRef>
+          <a:effectRef idx="2">
+            <a:schemeClr val="dk1"/>
+          </a:effectRef>
+          <a:fontRef idx="minor">
+            <a:schemeClr val="tx1"/>
+          </a:fontRef>
+        </p:style>
+      </p:cxnSp>
+      <p:pic>
+        <p:nvPicPr>
+          <p:cNvPr id="5" name="Picture 4">
+            <a:extLst>
+              <a:ext uri="{FF2B5EF4-FFF2-40B4-BE49-F238E27FC236}">
+                <a16:creationId xmlns:a16="http://schemas.microsoft.com/office/drawing/2014/main" id="{A1DA2603-B5FF-423A-991D-2CC611D2D535}"/>
+              </a:ext>
+            </a:extLst>
+          </p:cNvPr>
+          <p:cNvPicPr>
+            <a:picLocks noChangeAspect="1"/>
+          </p:cNvPicPr>
+          <p:nvPr/>
+        </p:nvPicPr>
+        <p:blipFill>
+          <a:blip r:embed="rId2"/>
+          <a:stretch>
+            <a:fillRect/>
+          </a:stretch>
+        </p:blipFill>
+        <p:spPr>
+          <a:xfrm>
+            <a:off x="1247098" y="904522"/>
+            <a:ext cx="9697803" cy="5048955"/>
+          </a:xfrm>
+          <a:prstGeom prst="rect">
+            <a:avLst/>
+          </a:prstGeom>
+        </p:spPr>
+      </p:pic>
+    </p:spTree>
+    <p:extLst>
+      <p:ext uri="{BB962C8B-B14F-4D97-AF65-F5344CB8AC3E}">
+        <p14:creationId xmlns:p14="http://schemas.microsoft.com/office/powerpoint/2010/main" val="3297764791"/>
+      </p:ext>
+    </p:extLst>
+  </p:cSld>
+  <p:clrMapOvr>
+    <a:masterClrMapping/>
+  </p:clrMapOvr>
 </p:sld>
 </file>
 

--- a/document/Đồ án nhóm 31.pptx
+++ b/document/Đồ án nhóm 31.pptx
@@ -12,6 +12,8 @@
     <p:sldId id="285" r:id="rId6"/>
     <p:sldId id="287" r:id="rId7"/>
     <p:sldId id="286" r:id="rId8"/>
+    <p:sldId id="288" r:id="rId9"/>
+    <p:sldId id="289" r:id="rId10"/>
   </p:sldIdLst>
   <p:sldSz cx="12192000" cy="6858000"/>
   <p:notesSz cx="6858000" cy="9144000"/>
@@ -267,7 +269,7 @@
           <a:p>
             <a:fld id="{3EDDE6C4-EDC3-4791-9B06-FE46BC03A8A6}" type="datetimeFigureOut">
               <a:rPr lang="vi-VN" smtClean="0"/>
-              <a:t>19/02/2022</a:t>
+              <a:t>22/02/2022</a:t>
             </a:fld>
             <a:endParaRPr lang="vi-VN"/>
           </a:p>
@@ -467,7 +469,7 @@
           <a:p>
             <a:fld id="{3EDDE6C4-EDC3-4791-9B06-FE46BC03A8A6}" type="datetimeFigureOut">
               <a:rPr lang="vi-VN" smtClean="0"/>
-              <a:t>19/02/2022</a:t>
+              <a:t>22/02/2022</a:t>
             </a:fld>
             <a:endParaRPr lang="vi-VN"/>
           </a:p>
@@ -677,7 +679,7 @@
           <a:p>
             <a:fld id="{3EDDE6C4-EDC3-4791-9B06-FE46BC03A8A6}" type="datetimeFigureOut">
               <a:rPr lang="vi-VN" smtClean="0"/>
-              <a:t>19/02/2022</a:t>
+              <a:t>22/02/2022</a:t>
             </a:fld>
             <a:endParaRPr lang="vi-VN"/>
           </a:p>
@@ -877,7 +879,7 @@
           <a:p>
             <a:fld id="{3EDDE6C4-EDC3-4791-9B06-FE46BC03A8A6}" type="datetimeFigureOut">
               <a:rPr lang="vi-VN" smtClean="0"/>
-              <a:t>19/02/2022</a:t>
+              <a:t>22/02/2022</a:t>
             </a:fld>
             <a:endParaRPr lang="vi-VN"/>
           </a:p>
@@ -1153,7 +1155,7 @@
           <a:p>
             <a:fld id="{3EDDE6C4-EDC3-4791-9B06-FE46BC03A8A6}" type="datetimeFigureOut">
               <a:rPr lang="vi-VN" smtClean="0"/>
-              <a:t>19/02/2022</a:t>
+              <a:t>22/02/2022</a:t>
             </a:fld>
             <a:endParaRPr lang="vi-VN"/>
           </a:p>
@@ -1421,7 +1423,7 @@
           <a:p>
             <a:fld id="{3EDDE6C4-EDC3-4791-9B06-FE46BC03A8A6}" type="datetimeFigureOut">
               <a:rPr lang="vi-VN" smtClean="0"/>
-              <a:t>19/02/2022</a:t>
+              <a:t>22/02/2022</a:t>
             </a:fld>
             <a:endParaRPr lang="vi-VN"/>
           </a:p>
@@ -1836,7 +1838,7 @@
           <a:p>
             <a:fld id="{3EDDE6C4-EDC3-4791-9B06-FE46BC03A8A6}" type="datetimeFigureOut">
               <a:rPr lang="vi-VN" smtClean="0"/>
-              <a:t>19/02/2022</a:t>
+              <a:t>22/02/2022</a:t>
             </a:fld>
             <a:endParaRPr lang="vi-VN"/>
           </a:p>
@@ -1978,7 +1980,7 @@
           <a:p>
             <a:fld id="{3EDDE6C4-EDC3-4791-9B06-FE46BC03A8A6}" type="datetimeFigureOut">
               <a:rPr lang="vi-VN" smtClean="0"/>
-              <a:t>19/02/2022</a:t>
+              <a:t>22/02/2022</a:t>
             </a:fld>
             <a:endParaRPr lang="vi-VN"/>
           </a:p>
@@ -2091,7 +2093,7 @@
           <a:p>
             <a:fld id="{3EDDE6C4-EDC3-4791-9B06-FE46BC03A8A6}" type="datetimeFigureOut">
               <a:rPr lang="vi-VN" smtClean="0"/>
-              <a:t>19/02/2022</a:t>
+              <a:t>22/02/2022</a:t>
             </a:fld>
             <a:endParaRPr lang="vi-VN"/>
           </a:p>
@@ -2404,7 +2406,7 @@
           <a:p>
             <a:fld id="{3EDDE6C4-EDC3-4791-9B06-FE46BC03A8A6}" type="datetimeFigureOut">
               <a:rPr lang="vi-VN" smtClean="0"/>
-              <a:t>19/02/2022</a:t>
+              <a:t>22/02/2022</a:t>
             </a:fld>
             <a:endParaRPr lang="vi-VN"/>
           </a:p>
@@ -2693,7 +2695,7 @@
           <a:p>
             <a:fld id="{3EDDE6C4-EDC3-4791-9B06-FE46BC03A8A6}" type="datetimeFigureOut">
               <a:rPr lang="vi-VN" smtClean="0"/>
-              <a:t>19/02/2022</a:t>
+              <a:t>22/02/2022</a:t>
             </a:fld>
             <a:endParaRPr lang="vi-VN"/>
           </a:p>
@@ -2936,7 +2938,7 @@
           <a:p>
             <a:fld id="{3EDDE6C4-EDC3-4791-9B06-FE46BC03A8A6}" type="datetimeFigureOut">
               <a:rPr lang="vi-VN" smtClean="0"/>
-              <a:t>19/02/2022</a:t>
+              <a:t>22/02/2022</a:t>
             </a:fld>
             <a:endParaRPr lang="vi-VN"/>
           </a:p>
@@ -4100,9 +4102,9 @@
         <p:grpSpPr>
           <a:xfrm>
             <a:off x="273050" y="191218"/>
-            <a:ext cx="6387945" cy="5897389"/>
+            <a:ext cx="6387945" cy="5532609"/>
             <a:chOff x="342514" y="166481"/>
-            <a:chExt cx="6387945" cy="5897389"/>
+            <a:chExt cx="6387945" cy="5532609"/>
           </a:xfrm>
         </p:grpSpPr>
         <p:cxnSp>
@@ -4212,7 +4214,7 @@
           <p:spPr>
             <a:xfrm>
               <a:off x="342514" y="851096"/>
-              <a:ext cx="6387945" cy="5212774"/>
+              <a:ext cx="6387945" cy="4847994"/>
             </a:xfrm>
             <a:prstGeom prst="rect">
               <a:avLst/>
@@ -4248,13 +4250,194 @@
                 <a:buChar char="•"/>
               </a:pPr>
               <a:r>
-                <a:rPr lang="vi-VN" sz="1600" dirty="0">
+                <a:rPr lang="en-US" sz="1600" dirty="0" err="1">
                   <a:solidFill>
                     <a:schemeClr val="bg1"/>
                   </a:solidFill>
                 </a:rPr>
-                <a:t>Do hiện nay, khi buôn bán, ta thường sử dụng phần mềm Excel, hoặc sổ sách để lưu lại những gì ta bán, khách hàng, v/v… Nhận thấy được sự bất tiện nên nhóm đã xây dựng dự án này</a:t>
+                <a:t>Hiện</a:t>
               </a:r>
+              <a:r>
+                <a:rPr lang="en-US" sz="1600" dirty="0">
+                  <a:solidFill>
+                    <a:schemeClr val="bg1"/>
+                  </a:solidFill>
+                </a:rPr>
+                <a:t> nay </a:t>
+              </a:r>
+              <a:r>
+                <a:rPr lang="en-US" sz="1600" dirty="0" err="1">
+                  <a:solidFill>
+                    <a:schemeClr val="bg1"/>
+                  </a:solidFill>
+                </a:rPr>
+                <a:t>thường</a:t>
+              </a:r>
+              <a:r>
+                <a:rPr lang="en-US" sz="1600" dirty="0">
+                  <a:solidFill>
+                    <a:schemeClr val="bg1"/>
+                  </a:solidFill>
+                </a:rPr>
+                <a:t> </a:t>
+              </a:r>
+              <a:r>
+                <a:rPr lang="en-US" sz="1600" dirty="0" err="1">
+                  <a:solidFill>
+                    <a:schemeClr val="bg1"/>
+                  </a:solidFill>
+                </a:rPr>
+                <a:t>sử</a:t>
+              </a:r>
+              <a:r>
+                <a:rPr lang="en-US" sz="1600" dirty="0">
+                  <a:solidFill>
+                    <a:schemeClr val="bg1"/>
+                  </a:solidFill>
+                </a:rPr>
+                <a:t> </a:t>
+              </a:r>
+              <a:r>
+                <a:rPr lang="en-US" sz="1600" dirty="0" err="1">
+                  <a:solidFill>
+                    <a:schemeClr val="bg1"/>
+                  </a:solidFill>
+                </a:rPr>
+                <a:t>dụng</a:t>
+              </a:r>
+              <a:r>
+                <a:rPr lang="en-US" sz="1600" dirty="0">
+                  <a:solidFill>
+                    <a:schemeClr val="bg1"/>
+                  </a:solidFill>
+                </a:rPr>
+                <a:t> Excel hay </a:t>
+              </a:r>
+              <a:r>
+                <a:rPr lang="en-US" sz="1600" dirty="0" err="1">
+                  <a:solidFill>
+                    <a:schemeClr val="bg1"/>
+                  </a:solidFill>
+                </a:rPr>
+                <a:t>số</a:t>
+              </a:r>
+              <a:r>
+                <a:rPr lang="en-US" sz="1600" dirty="0">
+                  <a:solidFill>
+                    <a:schemeClr val="bg1"/>
+                  </a:solidFill>
+                </a:rPr>
+                <a:t> </a:t>
+              </a:r>
+              <a:r>
+                <a:rPr lang="en-US" sz="1600" dirty="0" err="1">
+                  <a:solidFill>
+                    <a:schemeClr val="bg1"/>
+                  </a:solidFill>
+                </a:rPr>
+                <a:t>sách</a:t>
+              </a:r>
+              <a:r>
+                <a:rPr lang="en-US" sz="1600" dirty="0">
+                  <a:solidFill>
+                    <a:schemeClr val="bg1"/>
+                  </a:solidFill>
+                </a:rPr>
+                <a:t> </a:t>
+              </a:r>
+              <a:r>
+                <a:rPr lang="en-US" sz="1600" dirty="0" err="1">
+                  <a:solidFill>
+                    <a:schemeClr val="bg1"/>
+                  </a:solidFill>
+                </a:rPr>
+                <a:t>để</a:t>
+              </a:r>
+              <a:r>
+                <a:rPr lang="en-US" sz="1600" dirty="0">
+                  <a:solidFill>
+                    <a:schemeClr val="bg1"/>
+                  </a:solidFill>
+                </a:rPr>
+                <a:t> </a:t>
+              </a:r>
+              <a:r>
+                <a:rPr lang="en-US" sz="1600" dirty="0" err="1">
+                  <a:solidFill>
+                    <a:schemeClr val="bg1"/>
+                  </a:solidFill>
+                </a:rPr>
+                <a:t>lưu</a:t>
+              </a:r>
+              <a:r>
+                <a:rPr lang="en-US" sz="1600" dirty="0">
+                  <a:solidFill>
+                    <a:schemeClr val="bg1"/>
+                  </a:solidFill>
+                </a:rPr>
+                <a:t> </a:t>
+              </a:r>
+              <a:r>
+                <a:rPr lang="en-US" sz="1600" dirty="0" err="1">
+                  <a:solidFill>
+                    <a:schemeClr val="bg1"/>
+                  </a:solidFill>
+                </a:rPr>
+                <a:t>các</a:t>
+              </a:r>
+              <a:r>
+                <a:rPr lang="en-US" sz="1600" dirty="0">
+                  <a:solidFill>
+                    <a:schemeClr val="bg1"/>
+                  </a:solidFill>
+                </a:rPr>
+                <a:t> </a:t>
+              </a:r>
+              <a:r>
+                <a:rPr lang="en-US" sz="1600" dirty="0" err="1">
+                  <a:solidFill>
+                    <a:schemeClr val="bg1"/>
+                  </a:solidFill>
+                </a:rPr>
+                <a:t>thông</a:t>
+              </a:r>
+              <a:r>
+                <a:rPr lang="en-US" sz="1600" dirty="0">
+                  <a:solidFill>
+                    <a:schemeClr val="bg1"/>
+                  </a:solidFill>
+                </a:rPr>
+                <a:t> tin </a:t>
+              </a:r>
+              <a:r>
+                <a:rPr lang="en-US" sz="1600" dirty="0" err="1">
+                  <a:solidFill>
+                    <a:schemeClr val="bg1"/>
+                  </a:solidFill>
+                </a:rPr>
+                <a:t>kinh</a:t>
+              </a:r>
+              <a:r>
+                <a:rPr lang="en-US" sz="1600" dirty="0">
+                  <a:solidFill>
+                    <a:schemeClr val="bg1"/>
+                  </a:solidFill>
+                </a:rPr>
+                <a:t> </a:t>
+              </a:r>
+              <a:r>
+                <a:rPr lang="en-US" sz="1600" dirty="0" err="1">
+                  <a:solidFill>
+                    <a:schemeClr val="bg1"/>
+                  </a:solidFill>
+                </a:rPr>
+                <a:t>doanh</a:t>
+              </a:r>
+              <a:endParaRPr lang="vi-VN" sz="1600" dirty="0">
+                <a:solidFill>
+                  <a:schemeClr val="bg1"/>
+                </a:solidFill>
+              </a:endParaRPr>
             </a:p>
             <a:p>
               <a:pPr>
@@ -7692,42 +7875,6 @@
           <a:chExt cx="0" cy="0"/>
         </a:xfrm>
       </p:grpSpPr>
-      <p:pic>
-        <p:nvPicPr>
-          <p:cNvPr id="3" name="Picture 2" descr="Diagram, schematic&#10;&#10;Description automatically generated">
-            <a:extLst>
-              <a:ext uri="{FF2B5EF4-FFF2-40B4-BE49-F238E27FC236}">
-                <a16:creationId xmlns:a16="http://schemas.microsoft.com/office/drawing/2014/main" id="{D355D6C9-F102-4EF2-95FB-FCB249557B60}"/>
-              </a:ext>
-            </a:extLst>
-          </p:cNvPr>
-          <p:cNvPicPr>
-            <a:picLocks noChangeAspect="1"/>
-          </p:cNvPicPr>
-          <p:nvPr/>
-        </p:nvPicPr>
-        <p:blipFill>
-          <a:blip r:embed="rId2">
-            <a:extLst>
-              <a:ext uri="{28A0092B-C50C-407E-A947-70E740481C1C}">
-                <a14:useLocalDpi xmlns:a14="http://schemas.microsoft.com/office/drawing/2010/main" val="0"/>
-              </a:ext>
-            </a:extLst>
-          </a:blip>
-          <a:stretch>
-            <a:fillRect/>
-          </a:stretch>
-        </p:blipFill>
-        <p:spPr>
-          <a:xfrm>
-            <a:off x="1007647" y="1780086"/>
-            <a:ext cx="9831258" cy="3297827"/>
-          </a:xfrm>
-          <a:prstGeom prst="rect">
-            <a:avLst/>
-          </a:prstGeom>
-        </p:spPr>
-      </p:pic>
       <p:sp>
         <p:nvSpPr>
           <p:cNvPr id="4" name="TextBox 3">
@@ -7832,6 +7979,53 @@
           </a:fontRef>
         </p:style>
       </p:cxnSp>
+      <p:pic>
+        <p:nvPicPr>
+          <p:cNvPr id="1026" name="Picture 2">
+            <a:extLst>
+              <a:ext uri="{FF2B5EF4-FFF2-40B4-BE49-F238E27FC236}">
+                <a16:creationId xmlns:a16="http://schemas.microsoft.com/office/drawing/2014/main" id="{D845B22E-F0D6-4FA4-AC75-F3D4C034C80B}"/>
+              </a:ext>
+            </a:extLst>
+          </p:cNvPr>
+          <p:cNvPicPr>
+            <a:picLocks noChangeAspect="1" noChangeArrowheads="1"/>
+          </p:cNvPicPr>
+          <p:nvPr/>
+        </p:nvPicPr>
+        <p:blipFill>
+          <a:blip r:embed="rId2">
+            <a:extLst>
+              <a:ext uri="{28A0092B-C50C-407E-A947-70E740481C1C}">
+                <a14:useLocalDpi xmlns:a14="http://schemas.microsoft.com/office/drawing/2010/main" val="0"/>
+              </a:ext>
+            </a:extLst>
+          </a:blip>
+          <a:srcRect/>
+          <a:stretch>
+            <a:fillRect/>
+          </a:stretch>
+        </p:blipFill>
+        <p:spPr bwMode="auto">
+          <a:xfrm>
+            <a:off x="2476499" y="1248327"/>
+            <a:ext cx="7239002" cy="4678034"/>
+          </a:xfrm>
+          <a:prstGeom prst="rect">
+            <a:avLst/>
+          </a:prstGeom>
+          <a:noFill/>
+          <a:extLst>
+            <a:ext uri="{909E8E84-426E-40DD-AFC4-6F175D3DCCD1}">
+              <a14:hiddenFill xmlns:a14="http://schemas.microsoft.com/office/drawing/2010/main">
+                <a:solidFill>
+                  <a:srgbClr val="FFFFFF"/>
+                </a:solidFill>
+              </a14:hiddenFill>
+            </a:ext>
+          </a:extLst>
+        </p:spPr>
+      </p:pic>
     </p:spTree>
     <p:extLst>
       <p:ext uri="{BB962C8B-B14F-4D97-AF65-F5344CB8AC3E}">
@@ -7968,10 +8162,10 @@
       </p:cxnSp>
       <p:pic>
         <p:nvPicPr>
-          <p:cNvPr id="5" name="Picture 4">
-            <a:extLst>
-              <a:ext uri="{FF2B5EF4-FFF2-40B4-BE49-F238E27FC236}">
-                <a16:creationId xmlns:a16="http://schemas.microsoft.com/office/drawing/2014/main" id="{A1DA2603-B5FF-423A-991D-2CC611D2D535}"/>
+          <p:cNvPr id="6" name="Picture 5">
+            <a:extLst>
+              <a:ext uri="{FF2B5EF4-FFF2-40B4-BE49-F238E27FC236}">
+                <a16:creationId xmlns:a16="http://schemas.microsoft.com/office/drawing/2014/main" id="{878170FE-BB31-412F-B889-6C18ADED961B}"/>
               </a:ext>
             </a:extLst>
           </p:cNvPr>
@@ -7988,8 +8182,8 @@
         </p:blipFill>
         <p:spPr>
           <a:xfrm>
-            <a:off x="1247098" y="904522"/>
-            <a:ext cx="9697803" cy="5048955"/>
+            <a:off x="1143000" y="1090893"/>
+            <a:ext cx="9906000" cy="5237410"/>
           </a:xfrm>
           <a:prstGeom prst="rect">
             <a:avLst/>
@@ -8000,6 +8194,322 @@
     <p:extLst>
       <p:ext uri="{BB962C8B-B14F-4D97-AF65-F5344CB8AC3E}">
         <p14:creationId xmlns:p14="http://schemas.microsoft.com/office/powerpoint/2010/main" val="3297764791"/>
+      </p:ext>
+    </p:extLst>
+  </p:cSld>
+  <p:clrMapOvr>
+    <a:masterClrMapping/>
+  </p:clrMapOvr>
+</p:sld>
+</file>
+
+<file path=ppt/slides/slide8.xml><?xml version="1.0" encoding="utf-8"?>
+<p:sld xmlns:a="http://schemas.openxmlformats.org/drawingml/2006/main" xmlns:r="http://schemas.openxmlformats.org/officeDocument/2006/relationships" xmlns:p="http://schemas.openxmlformats.org/presentationml/2006/main">
+  <p:cSld>
+    <p:spTree>
+      <p:nvGrpSpPr>
+        <p:cNvPr id="1" name=""/>
+        <p:cNvGrpSpPr/>
+        <p:nvPr/>
+      </p:nvGrpSpPr>
+      <p:grpSpPr>
+        <a:xfrm>
+          <a:off x="0" y="0"/>
+          <a:ext cx="0" cy="0"/>
+          <a:chOff x="0" y="0"/>
+          <a:chExt cx="0" cy="0"/>
+        </a:xfrm>
+      </p:grpSpPr>
+      <p:sp>
+        <p:nvSpPr>
+          <p:cNvPr id="2" name="TextBox 1">
+            <a:extLst>
+              <a:ext uri="{FF2B5EF4-FFF2-40B4-BE49-F238E27FC236}">
+                <a16:creationId xmlns:a16="http://schemas.microsoft.com/office/drawing/2014/main" id="{250B29C4-03C4-4872-86C2-541FEBF164E8}"/>
+              </a:ext>
+            </a:extLst>
+          </p:cNvPr>
+          <p:cNvSpPr txBox="1"/>
+          <p:nvPr/>
+        </p:nvSpPr>
+        <p:spPr>
+          <a:xfrm>
+            <a:off x="4852159" y="32268"/>
+            <a:ext cx="2487681" cy="416524"/>
+          </a:xfrm>
+          <a:prstGeom prst="rect">
+            <a:avLst/>
+          </a:prstGeom>
+          <a:noFill/>
+        </p:spPr>
+        <p:txBody>
+          <a:bodyPr wrap="square" rtlCol="0">
+            <a:spAutoFit/>
+          </a:bodyPr>
+          <a:lstStyle/>
+          <a:p>
+            <a:pPr marL="57150" lvl="2" algn="ctr">
+              <a:lnSpc>
+                <a:spcPct val="130000"/>
+              </a:lnSpc>
+              <a:spcBef>
+                <a:spcPts val="600"/>
+              </a:spcBef>
+              <a:spcAft>
+                <a:spcPts val="600"/>
+              </a:spcAft>
+              <a:tabLst>
+                <a:tab pos="461963" algn="l"/>
+              </a:tabLst>
+            </a:pPr>
+            <a:r>
+              <a:rPr lang="vi-VN" sz="1800" b="1" dirty="0">
+                <a:solidFill>
+                  <a:srgbClr val="000000"/>
+                </a:solidFill>
+                <a:effectLst/>
+                <a:latin typeface="Times New Roman" panose="02020603050405020304" pitchFamily="18" charset="0"/>
+                <a:ea typeface="PMingLiU" panose="02020500000000000000" pitchFamily="18" charset="-120"/>
+                <a:cs typeface="Times New Roman" panose="02020603050405020304" pitchFamily="18" charset="0"/>
+              </a:rPr>
+              <a:t>Sơ đồ trang web</a:t>
+            </a:r>
+          </a:p>
+        </p:txBody>
+      </p:sp>
+      <p:cxnSp>
+        <p:nvCxnSpPr>
+          <p:cNvPr id="3" name="Straight Connector 2">
+            <a:extLst>
+              <a:ext uri="{FF2B5EF4-FFF2-40B4-BE49-F238E27FC236}">
+                <a16:creationId xmlns:a16="http://schemas.microsoft.com/office/drawing/2014/main" id="{1139945B-7D20-4B1C-89F8-7D0FC747A2F7}"/>
+              </a:ext>
+            </a:extLst>
+          </p:cNvPr>
+          <p:cNvCxnSpPr>
+            <a:cxnSpLocks/>
+          </p:cNvCxnSpPr>
+          <p:nvPr/>
+        </p:nvCxnSpPr>
+        <p:spPr>
+          <a:xfrm>
+            <a:off x="5443039" y="448792"/>
+            <a:ext cx="1419882" cy="0"/>
+          </a:xfrm>
+          <a:prstGeom prst="line">
+            <a:avLst/>
+          </a:prstGeom>
+        </p:spPr>
+        <p:style>
+          <a:lnRef idx="3">
+            <a:schemeClr val="dk1"/>
+          </a:lnRef>
+          <a:fillRef idx="0">
+            <a:schemeClr val="dk1"/>
+          </a:fillRef>
+          <a:effectRef idx="2">
+            <a:schemeClr val="dk1"/>
+          </a:effectRef>
+          <a:fontRef idx="minor">
+            <a:schemeClr val="tx1"/>
+          </a:fontRef>
+        </p:style>
+      </p:cxnSp>
+      <p:pic>
+        <p:nvPicPr>
+          <p:cNvPr id="5" name="Picture 4" descr="Diagram, schematic&#10;&#10;Description automatically generated">
+            <a:extLst>
+              <a:ext uri="{FF2B5EF4-FFF2-40B4-BE49-F238E27FC236}">
+                <a16:creationId xmlns:a16="http://schemas.microsoft.com/office/drawing/2014/main" id="{DEA3271F-CEC0-4AE6-88B1-A1F8203DBDC9}"/>
+              </a:ext>
+            </a:extLst>
+          </p:cNvPr>
+          <p:cNvPicPr>
+            <a:picLocks noChangeAspect="1"/>
+          </p:cNvPicPr>
+          <p:nvPr/>
+        </p:nvPicPr>
+        <p:blipFill>
+          <a:blip r:embed="rId2">
+            <a:extLst>
+              <a:ext uri="{28A0092B-C50C-407E-A947-70E740481C1C}">
+                <a14:useLocalDpi xmlns:a14="http://schemas.microsoft.com/office/drawing/2010/main" val="0"/>
+              </a:ext>
+            </a:extLst>
+          </a:blip>
+          <a:stretch>
+            <a:fillRect/>
+          </a:stretch>
+        </p:blipFill>
+        <p:spPr>
+          <a:xfrm>
+            <a:off x="2236275" y="542916"/>
+            <a:ext cx="7719448" cy="6091237"/>
+          </a:xfrm>
+          <a:prstGeom prst="rect">
+            <a:avLst/>
+          </a:prstGeom>
+        </p:spPr>
+      </p:pic>
+    </p:spTree>
+    <p:extLst>
+      <p:ext uri="{BB962C8B-B14F-4D97-AF65-F5344CB8AC3E}">
+        <p14:creationId xmlns:p14="http://schemas.microsoft.com/office/powerpoint/2010/main" val="1337989399"/>
+      </p:ext>
+    </p:extLst>
+  </p:cSld>
+  <p:clrMapOvr>
+    <a:masterClrMapping/>
+  </p:clrMapOvr>
+</p:sld>
+</file>
+
+<file path=ppt/slides/slide9.xml><?xml version="1.0" encoding="utf-8"?>
+<p:sld xmlns:a="http://schemas.openxmlformats.org/drawingml/2006/main" xmlns:r="http://schemas.openxmlformats.org/officeDocument/2006/relationships" xmlns:p="http://schemas.openxmlformats.org/presentationml/2006/main">
+  <p:cSld>
+    <p:spTree>
+      <p:nvGrpSpPr>
+        <p:cNvPr id="1" name=""/>
+        <p:cNvGrpSpPr/>
+        <p:nvPr/>
+      </p:nvGrpSpPr>
+      <p:grpSpPr>
+        <a:xfrm>
+          <a:off x="0" y="0"/>
+          <a:ext cx="0" cy="0"/>
+          <a:chOff x="0" y="0"/>
+          <a:chExt cx="0" cy="0"/>
+        </a:xfrm>
+      </p:grpSpPr>
+      <p:sp>
+        <p:nvSpPr>
+          <p:cNvPr id="2" name="TextBox 1">
+            <a:extLst>
+              <a:ext uri="{FF2B5EF4-FFF2-40B4-BE49-F238E27FC236}">
+                <a16:creationId xmlns:a16="http://schemas.microsoft.com/office/drawing/2014/main" id="{250B29C4-03C4-4872-86C2-541FEBF164E8}"/>
+              </a:ext>
+            </a:extLst>
+          </p:cNvPr>
+          <p:cNvSpPr txBox="1"/>
+          <p:nvPr/>
+        </p:nvSpPr>
+        <p:spPr>
+          <a:xfrm>
+            <a:off x="4852159" y="-50541"/>
+            <a:ext cx="2487681" cy="416524"/>
+          </a:xfrm>
+          <a:prstGeom prst="rect">
+            <a:avLst/>
+          </a:prstGeom>
+          <a:noFill/>
+        </p:spPr>
+        <p:txBody>
+          <a:bodyPr wrap="square" rtlCol="0">
+            <a:spAutoFit/>
+          </a:bodyPr>
+          <a:lstStyle/>
+          <a:p>
+            <a:pPr marL="57150" lvl="2" algn="ctr">
+              <a:lnSpc>
+                <a:spcPct val="130000"/>
+              </a:lnSpc>
+              <a:spcBef>
+                <a:spcPts val="600"/>
+              </a:spcBef>
+              <a:spcAft>
+                <a:spcPts val="600"/>
+              </a:spcAft>
+              <a:tabLst>
+                <a:tab pos="461963" algn="l"/>
+              </a:tabLst>
+            </a:pPr>
+            <a:r>
+              <a:rPr lang="vi-VN" sz="1800" b="1" dirty="0">
+                <a:solidFill>
+                  <a:srgbClr val="000000"/>
+                </a:solidFill>
+                <a:effectLst/>
+                <a:latin typeface="Times New Roman" panose="02020603050405020304" pitchFamily="18" charset="0"/>
+                <a:ea typeface="PMingLiU" panose="02020500000000000000" pitchFamily="18" charset="-120"/>
+                <a:cs typeface="Times New Roman" panose="02020603050405020304" pitchFamily="18" charset="0"/>
+              </a:rPr>
+              <a:t>Sơ đồ trang web</a:t>
+            </a:r>
+          </a:p>
+        </p:txBody>
+      </p:sp>
+      <p:cxnSp>
+        <p:nvCxnSpPr>
+          <p:cNvPr id="3" name="Straight Connector 2">
+            <a:extLst>
+              <a:ext uri="{FF2B5EF4-FFF2-40B4-BE49-F238E27FC236}">
+                <a16:creationId xmlns:a16="http://schemas.microsoft.com/office/drawing/2014/main" id="{1139945B-7D20-4B1C-89F8-7D0FC747A2F7}"/>
+              </a:ext>
+            </a:extLst>
+          </p:cNvPr>
+          <p:cNvCxnSpPr>
+            <a:cxnSpLocks/>
+          </p:cNvCxnSpPr>
+          <p:nvPr/>
+        </p:nvCxnSpPr>
+        <p:spPr>
+          <a:xfrm>
+            <a:off x="5386058" y="365983"/>
+            <a:ext cx="1419882" cy="0"/>
+          </a:xfrm>
+          <a:prstGeom prst="line">
+            <a:avLst/>
+          </a:prstGeom>
+        </p:spPr>
+        <p:style>
+          <a:lnRef idx="3">
+            <a:schemeClr val="dk1"/>
+          </a:lnRef>
+          <a:fillRef idx="0">
+            <a:schemeClr val="dk1"/>
+          </a:fillRef>
+          <a:effectRef idx="2">
+            <a:schemeClr val="dk1"/>
+          </a:effectRef>
+          <a:fontRef idx="minor">
+            <a:schemeClr val="tx1"/>
+          </a:fontRef>
+        </p:style>
+      </p:cxnSp>
+      <p:pic>
+        <p:nvPicPr>
+          <p:cNvPr id="4" name="Picture 3">
+            <a:extLst>
+              <a:ext uri="{FF2B5EF4-FFF2-40B4-BE49-F238E27FC236}">
+                <a16:creationId xmlns:a16="http://schemas.microsoft.com/office/drawing/2014/main" id="{34CB77F5-A758-414F-B351-72ADE789EFBC}"/>
+              </a:ext>
+            </a:extLst>
+          </p:cNvPr>
+          <p:cNvPicPr>
+            <a:picLocks noChangeAspect="1"/>
+          </p:cNvPicPr>
+          <p:nvPr/>
+        </p:nvPicPr>
+        <p:blipFill>
+          <a:blip r:embed="rId2"/>
+          <a:stretch>
+            <a:fillRect/>
+          </a:stretch>
+        </p:blipFill>
+        <p:spPr>
+          <a:xfrm>
+            <a:off x="1952624" y="365983"/>
+            <a:ext cx="8286750" cy="6492017"/>
+          </a:xfrm>
+          <a:prstGeom prst="rect">
+            <a:avLst/>
+          </a:prstGeom>
+        </p:spPr>
+      </p:pic>
+    </p:spTree>
+    <p:extLst>
+      <p:ext uri="{BB962C8B-B14F-4D97-AF65-F5344CB8AC3E}">
+        <p14:creationId xmlns:p14="http://schemas.microsoft.com/office/powerpoint/2010/main" val="1193927273"/>
       </p:ext>
     </p:extLst>
   </p:cSld>

--- a/document/Đồ án nhóm 31.pptx
+++ b/document/Đồ án nhóm 31.pptx
@@ -269,7 +269,7 @@
           <a:p>
             <a:fld id="{3EDDE6C4-EDC3-4791-9B06-FE46BC03A8A6}" type="datetimeFigureOut">
               <a:rPr lang="vi-VN" smtClean="0"/>
-              <a:t>22/02/2022</a:t>
+              <a:t>26/02/2022</a:t>
             </a:fld>
             <a:endParaRPr lang="vi-VN"/>
           </a:p>
@@ -469,7 +469,7 @@
           <a:p>
             <a:fld id="{3EDDE6C4-EDC3-4791-9B06-FE46BC03A8A6}" type="datetimeFigureOut">
               <a:rPr lang="vi-VN" smtClean="0"/>
-              <a:t>22/02/2022</a:t>
+              <a:t>26/02/2022</a:t>
             </a:fld>
             <a:endParaRPr lang="vi-VN"/>
           </a:p>
@@ -679,7 +679,7 @@
           <a:p>
             <a:fld id="{3EDDE6C4-EDC3-4791-9B06-FE46BC03A8A6}" type="datetimeFigureOut">
               <a:rPr lang="vi-VN" smtClean="0"/>
-              <a:t>22/02/2022</a:t>
+              <a:t>26/02/2022</a:t>
             </a:fld>
             <a:endParaRPr lang="vi-VN"/>
           </a:p>
@@ -879,7 +879,7 @@
           <a:p>
             <a:fld id="{3EDDE6C4-EDC3-4791-9B06-FE46BC03A8A6}" type="datetimeFigureOut">
               <a:rPr lang="vi-VN" smtClean="0"/>
-              <a:t>22/02/2022</a:t>
+              <a:t>26/02/2022</a:t>
             </a:fld>
             <a:endParaRPr lang="vi-VN"/>
           </a:p>
@@ -1155,7 +1155,7 @@
           <a:p>
             <a:fld id="{3EDDE6C4-EDC3-4791-9B06-FE46BC03A8A6}" type="datetimeFigureOut">
               <a:rPr lang="vi-VN" smtClean="0"/>
-              <a:t>22/02/2022</a:t>
+              <a:t>26/02/2022</a:t>
             </a:fld>
             <a:endParaRPr lang="vi-VN"/>
           </a:p>
@@ -1423,7 +1423,7 @@
           <a:p>
             <a:fld id="{3EDDE6C4-EDC3-4791-9B06-FE46BC03A8A6}" type="datetimeFigureOut">
               <a:rPr lang="vi-VN" smtClean="0"/>
-              <a:t>22/02/2022</a:t>
+              <a:t>26/02/2022</a:t>
             </a:fld>
             <a:endParaRPr lang="vi-VN"/>
           </a:p>
@@ -1838,7 +1838,7 @@
           <a:p>
             <a:fld id="{3EDDE6C4-EDC3-4791-9B06-FE46BC03A8A6}" type="datetimeFigureOut">
               <a:rPr lang="vi-VN" smtClean="0"/>
-              <a:t>22/02/2022</a:t>
+              <a:t>26/02/2022</a:t>
             </a:fld>
             <a:endParaRPr lang="vi-VN"/>
           </a:p>
@@ -1980,7 +1980,7 @@
           <a:p>
             <a:fld id="{3EDDE6C4-EDC3-4791-9B06-FE46BC03A8A6}" type="datetimeFigureOut">
               <a:rPr lang="vi-VN" smtClean="0"/>
-              <a:t>22/02/2022</a:t>
+              <a:t>26/02/2022</a:t>
             </a:fld>
             <a:endParaRPr lang="vi-VN"/>
           </a:p>
@@ -2093,7 +2093,7 @@
           <a:p>
             <a:fld id="{3EDDE6C4-EDC3-4791-9B06-FE46BC03A8A6}" type="datetimeFigureOut">
               <a:rPr lang="vi-VN" smtClean="0"/>
-              <a:t>22/02/2022</a:t>
+              <a:t>26/02/2022</a:t>
             </a:fld>
             <a:endParaRPr lang="vi-VN"/>
           </a:p>
@@ -2406,7 +2406,7 @@
           <a:p>
             <a:fld id="{3EDDE6C4-EDC3-4791-9B06-FE46BC03A8A6}" type="datetimeFigureOut">
               <a:rPr lang="vi-VN" smtClean="0"/>
-              <a:t>22/02/2022</a:t>
+              <a:t>26/02/2022</a:t>
             </a:fld>
             <a:endParaRPr lang="vi-VN"/>
           </a:p>
@@ -2695,7 +2695,7 @@
           <a:p>
             <a:fld id="{3EDDE6C4-EDC3-4791-9B06-FE46BC03A8A6}" type="datetimeFigureOut">
               <a:rPr lang="vi-VN" smtClean="0"/>
-              <a:t>22/02/2022</a:t>
+              <a:t>26/02/2022</a:t>
             </a:fld>
             <a:endParaRPr lang="vi-VN"/>
           </a:p>
@@ -2938,7 +2938,7 @@
           <a:p>
             <a:fld id="{3EDDE6C4-EDC3-4791-9B06-FE46BC03A8A6}" type="datetimeFigureOut">
               <a:rPr lang="vi-VN" smtClean="0"/>
-              <a:t>22/02/2022</a:t>
+              <a:t>26/02/2022</a:t>
             </a:fld>
             <a:endParaRPr lang="vi-VN"/>
           </a:p>
@@ -8162,10 +8162,10 @@
       </p:cxnSp>
       <p:pic>
         <p:nvPicPr>
-          <p:cNvPr id="6" name="Picture 5">
-            <a:extLst>
-              <a:ext uri="{FF2B5EF4-FFF2-40B4-BE49-F238E27FC236}">
-                <a16:creationId xmlns:a16="http://schemas.microsoft.com/office/drawing/2014/main" id="{878170FE-BB31-412F-B889-6C18ADED961B}"/>
+          <p:cNvPr id="5" name="Picture 4">
+            <a:extLst>
+              <a:ext uri="{FF2B5EF4-FFF2-40B4-BE49-F238E27FC236}">
+                <a16:creationId xmlns:a16="http://schemas.microsoft.com/office/drawing/2014/main" id="{21D9A5F8-5CA9-41F0-8893-D6D30BD7CAFC}"/>
               </a:ext>
             </a:extLst>
           </p:cNvPr>
@@ -8182,8 +8182,8 @@
         </p:blipFill>
         <p:spPr>
           <a:xfrm>
-            <a:off x="1143000" y="1090893"/>
-            <a:ext cx="9906000" cy="5237410"/>
+            <a:off x="133350" y="573757"/>
+            <a:ext cx="11601450" cy="6203335"/>
           </a:xfrm>
           <a:prstGeom prst="rect">
             <a:avLst/>
@@ -8317,10 +8317,10 @@
       </p:cxnSp>
       <p:pic>
         <p:nvPicPr>
-          <p:cNvPr id="5" name="Picture 4" descr="Diagram, schematic&#10;&#10;Description automatically generated">
-            <a:extLst>
-              <a:ext uri="{FF2B5EF4-FFF2-40B4-BE49-F238E27FC236}">
-                <a16:creationId xmlns:a16="http://schemas.microsoft.com/office/drawing/2014/main" id="{DEA3271F-CEC0-4AE6-88B1-A1F8203DBDC9}"/>
+          <p:cNvPr id="8" name="Picture 7" descr="Diagram, schematic&#10;&#10;Description automatically generated">
+            <a:extLst>
+              <a:ext uri="{FF2B5EF4-FFF2-40B4-BE49-F238E27FC236}">
+                <a16:creationId xmlns:a16="http://schemas.microsoft.com/office/drawing/2014/main" id="{59F2B510-6126-42CE-93DB-AF9A2C18FD3A}"/>
               </a:ext>
             </a:extLst>
           </p:cNvPr>
@@ -8343,8 +8343,8 @@
         </p:blipFill>
         <p:spPr>
           <a:xfrm>
-            <a:off x="2236275" y="542916"/>
-            <a:ext cx="7719448" cy="6091237"/>
+            <a:off x="2263449" y="533051"/>
+            <a:ext cx="7665102" cy="6324950"/>
           </a:xfrm>
           <a:prstGeom prst="rect">
             <a:avLst/>

--- a/document/Đồ án nhóm 31.pptx
+++ b/document/Đồ án nhóm 31.pptx
@@ -4102,9 +4102,9 @@
         <p:grpSpPr>
           <a:xfrm>
             <a:off x="273050" y="191218"/>
-            <a:ext cx="6387945" cy="5532609"/>
+            <a:ext cx="6387945" cy="4180766"/>
             <a:chOff x="342514" y="166481"/>
-            <a:chExt cx="6387945" cy="5532609"/>
+            <a:chExt cx="6387945" cy="4180766"/>
           </a:xfrm>
         </p:grpSpPr>
         <p:cxnSp>
@@ -4213,8 +4213,8 @@
           </p:nvSpPr>
           <p:spPr>
             <a:xfrm>
-              <a:off x="342514" y="851096"/>
-              <a:ext cx="6387945" cy="4847994"/>
+              <a:off x="342514" y="1340077"/>
+              <a:ext cx="6387945" cy="3007170"/>
             </a:xfrm>
             <a:prstGeom prst="rect">
               <a:avLst/>
@@ -4271,7 +4271,7 @@
                     <a:schemeClr val="bg1"/>
                   </a:solidFill>
                 </a:rPr>
-                <a:t>thường</a:t>
+                <a:t>việc</a:t>
               </a:r>
               <a:r>
                 <a:rPr lang="en-US" sz="1600" dirty="0">
@@ -4287,7 +4287,7 @@
                     <a:schemeClr val="bg1"/>
                   </a:solidFill>
                 </a:rPr>
-                <a:t>sử</a:t>
+                <a:t>kinh</a:t>
               </a:r>
               <a:r>
                 <a:rPr lang="en-US" sz="1600" dirty="0">
@@ -4303,7 +4303,7 @@
                     <a:schemeClr val="bg1"/>
                   </a:solidFill>
                 </a:rPr>
-                <a:t>dụng</a:t>
+                <a:t>doanh</a:t>
               </a:r>
               <a:r>
                 <a:rPr lang="en-US" sz="1600" dirty="0">
@@ -4311,7 +4311,7 @@
                     <a:schemeClr val="bg1"/>
                   </a:solidFill>
                 </a:rPr>
-                <a:t> Excel hay </a:t>
+                <a:t> online </a:t>
               </a:r>
               <a:r>
                 <a:rPr lang="en-US" sz="1600" dirty="0" err="1">
@@ -4319,7 +4319,7 @@
                     <a:schemeClr val="bg1"/>
                   </a:solidFill>
                 </a:rPr>
-                <a:t>số</a:t>
+                <a:t>đã</a:t>
               </a:r>
               <a:r>
                 <a:rPr lang="en-US" sz="1600" dirty="0">
@@ -4335,7 +4335,7 @@
                     <a:schemeClr val="bg1"/>
                   </a:solidFill>
                 </a:rPr>
-                <a:t>sách</a:t>
+                <a:t>trở</a:t>
               </a:r>
               <a:r>
                 <a:rPr lang="en-US" sz="1600" dirty="0">
@@ -4351,7 +4351,7 @@
                     <a:schemeClr val="bg1"/>
                   </a:solidFill>
                 </a:rPr>
-                <a:t>để</a:t>
+                <a:t>thành</a:t>
               </a:r>
               <a:r>
                 <a:rPr lang="en-US" sz="1600" dirty="0">
@@ -4367,7 +4367,7 @@
                     <a:schemeClr val="bg1"/>
                   </a:solidFill>
                 </a:rPr>
-                <a:t>lưu</a:t>
+                <a:t>một</a:t>
               </a:r>
               <a:r>
                 <a:rPr lang="en-US" sz="1600" dirty="0">
@@ -4375,7 +4375,7 @@
                     <a:schemeClr val="bg1"/>
                   </a:solidFill>
                 </a:rPr>
-                <a:t> </a:t>
+                <a:t> xu </a:t>
               </a:r>
               <a:r>
                 <a:rPr lang="en-US" sz="1600" dirty="0" err="1">
@@ -4383,7 +4383,7 @@
                     <a:schemeClr val="bg1"/>
                   </a:solidFill>
                 </a:rPr>
-                <a:t>các</a:t>
+                <a:t>hướng</a:t>
               </a:r>
               <a:r>
                 <a:rPr lang="en-US" sz="1600" dirty="0">
@@ -4399,7 +4399,7 @@
                     <a:schemeClr val="bg1"/>
                   </a:solidFill>
                 </a:rPr>
-                <a:t>thông</a:t>
+                <a:t>tất</a:t>
               </a:r>
               <a:r>
                 <a:rPr lang="en-US" sz="1600" dirty="0">
@@ -4407,7 +4407,7 @@
                     <a:schemeClr val="bg1"/>
                   </a:solidFill>
                 </a:rPr>
-                <a:t> tin </a:t>
+                <a:t> </a:t>
               </a:r>
               <a:r>
                 <a:rPr lang="en-US" sz="1600" dirty="0" err="1">
@@ -4415,23 +4415,7 @@
                     <a:schemeClr val="bg1"/>
                   </a:solidFill>
                 </a:rPr>
-                <a:t>kinh</a:t>
-              </a:r>
-              <a:r>
-                <a:rPr lang="en-US" sz="1600" dirty="0">
-                  <a:solidFill>
-                    <a:schemeClr val="bg1"/>
-                  </a:solidFill>
-                </a:rPr>
-                <a:t> </a:t>
-              </a:r>
-              <a:r>
-                <a:rPr lang="en-US" sz="1600" dirty="0" err="1">
-                  <a:solidFill>
-                    <a:schemeClr val="bg1"/>
-                  </a:solidFill>
-                </a:rPr>
-                <a:t>doanh</a:t>
+                <a:t>yếu</a:t>
               </a:r>
               <a:endParaRPr lang="vi-VN" sz="1600" dirty="0">
                 <a:solidFill>
@@ -4463,47 +4447,258 @@
                 <a:buChar char="•"/>
               </a:pPr>
               <a:r>
-                <a:rPr lang="vi-VN" sz="1600" dirty="0">
+                <a:rPr lang="en-US" sz="1600" dirty="0" err="1">
                   <a:solidFill>
                     <a:schemeClr val="bg1"/>
                   </a:solidFill>
                 </a:rPr>
-                <a:t>Khi khách hàng đặt hàng, lưu vào Excel</a:t>
-              </a:r>
-            </a:p>
-            <a:p>
-              <a:pPr marL="285750" indent="-285750">
-                <a:lnSpc>
-                  <a:spcPct val="150000"/>
-                </a:lnSpc>
-                <a:buFont typeface="Arial" panose="020B0604020202020204" pitchFamily="34" charset="0"/>
-                <a:buChar char="•"/>
-              </a:pPr>
-              <a:r>
-                <a:rPr lang="vi-VN" sz="1600" dirty="0">
+                <a:t>Việc</a:t>
+              </a:r>
+              <a:r>
+                <a:rPr lang="en-US" sz="1600" dirty="0">
                   <a:solidFill>
                     <a:schemeClr val="bg1"/>
                   </a:solidFill>
                 </a:rPr>
-                <a:t>Khi cập nhật đơn hàng, thay đổi giá trị cột trong Excel</a:t>
-              </a:r>
-            </a:p>
-            <a:p>
-              <a:pPr marL="285750" indent="-285750">
-                <a:lnSpc>
-                  <a:spcPct val="150000"/>
-                </a:lnSpc>
-                <a:buFont typeface="Arial" panose="020B0604020202020204" pitchFamily="34" charset="0"/>
-                <a:buChar char="•"/>
-              </a:pPr>
-              <a:r>
-                <a:rPr lang="vi-VN" sz="1600" dirty="0">
+                <a:t> </a:t>
+              </a:r>
+              <a:r>
+                <a:rPr lang="en-US" sz="1600" dirty="0" err="1">
                   <a:solidFill>
                     <a:schemeClr val="bg1"/>
                   </a:solidFill>
                 </a:rPr>
-                <a:t>Các sản phẩm lưu trên Excel, khi có thêm sản phẩm thì thêm 1 bản ghi</a:t>
-              </a:r>
+                <a:t>bán</a:t>
+              </a:r>
+              <a:r>
+                <a:rPr lang="en-US" sz="1600" dirty="0">
+                  <a:solidFill>
+                    <a:schemeClr val="bg1"/>
+                  </a:solidFill>
+                </a:rPr>
+                <a:t> </a:t>
+              </a:r>
+              <a:r>
+                <a:rPr lang="en-US" sz="1600" dirty="0" err="1">
+                  <a:solidFill>
+                    <a:schemeClr val="bg1"/>
+                  </a:solidFill>
+                </a:rPr>
+                <a:t>hàng</a:t>
+              </a:r>
+              <a:r>
+                <a:rPr lang="en-US" sz="1600" dirty="0">
+                  <a:solidFill>
+                    <a:schemeClr val="bg1"/>
+                  </a:solidFill>
+                </a:rPr>
+                <a:t> của </a:t>
+              </a:r>
+              <a:r>
+                <a:rPr lang="en-US" sz="1600" dirty="0" err="1">
+                  <a:solidFill>
+                    <a:schemeClr val="bg1"/>
+                  </a:solidFill>
+                </a:rPr>
+                <a:t>các</a:t>
+              </a:r>
+              <a:r>
+                <a:rPr lang="en-US" sz="1600" dirty="0">
+                  <a:solidFill>
+                    <a:schemeClr val="bg1"/>
+                  </a:solidFill>
+                </a:rPr>
+                <a:t> </a:t>
+              </a:r>
+              <a:r>
+                <a:rPr lang="en-US" sz="1600" dirty="0" err="1">
+                  <a:solidFill>
+                    <a:schemeClr val="bg1"/>
+                  </a:solidFill>
+                </a:rPr>
+                <a:t>cửa</a:t>
+              </a:r>
+              <a:r>
+                <a:rPr lang="en-US" sz="1600" dirty="0">
+                  <a:solidFill>
+                    <a:schemeClr val="bg1"/>
+                  </a:solidFill>
+                </a:rPr>
+                <a:t> </a:t>
+              </a:r>
+              <a:r>
+                <a:rPr lang="en-US" sz="1600" dirty="0" err="1">
+                  <a:solidFill>
+                    <a:schemeClr val="bg1"/>
+                  </a:solidFill>
+                </a:rPr>
+                <a:t>hàng</a:t>
+              </a:r>
+              <a:r>
+                <a:rPr lang="en-US" sz="1600" dirty="0">
+                  <a:solidFill>
+                    <a:schemeClr val="bg1"/>
+                  </a:solidFill>
+                </a:rPr>
+                <a:t> </a:t>
+              </a:r>
+              <a:r>
+                <a:rPr lang="en-US" sz="1600" dirty="0" err="1">
+                  <a:solidFill>
+                    <a:schemeClr val="bg1"/>
+                  </a:solidFill>
+                </a:rPr>
+                <a:t>chủ</a:t>
+              </a:r>
+              <a:r>
+                <a:rPr lang="en-US" sz="1600" dirty="0">
+                  <a:solidFill>
+                    <a:schemeClr val="bg1"/>
+                  </a:solidFill>
+                </a:rPr>
+                <a:t> </a:t>
+              </a:r>
+              <a:r>
+                <a:rPr lang="en-US" sz="1600" dirty="0" err="1">
+                  <a:solidFill>
+                    <a:schemeClr val="bg1"/>
+                  </a:solidFill>
+                </a:rPr>
+                <a:t>yếu</a:t>
+              </a:r>
+              <a:r>
+                <a:rPr lang="en-US" sz="1600" dirty="0">
+                  <a:solidFill>
+                    <a:schemeClr val="bg1"/>
+                  </a:solidFill>
+                </a:rPr>
+                <a:t> </a:t>
+              </a:r>
+              <a:r>
+                <a:rPr lang="en-US" sz="1600" dirty="0" err="1">
+                  <a:solidFill>
+                    <a:schemeClr val="bg1"/>
+                  </a:solidFill>
+                </a:rPr>
+                <a:t>là</a:t>
+              </a:r>
+              <a:r>
+                <a:rPr lang="en-US" sz="1600" dirty="0">
+                  <a:solidFill>
+                    <a:schemeClr val="bg1"/>
+                  </a:solidFill>
+                </a:rPr>
+                <a:t> </a:t>
+              </a:r>
+              <a:r>
+                <a:rPr lang="en-US" sz="1600" dirty="0" err="1">
+                  <a:solidFill>
+                    <a:schemeClr val="bg1"/>
+                  </a:solidFill>
+                </a:rPr>
+                <a:t>bán</a:t>
+              </a:r>
+              <a:r>
+                <a:rPr lang="en-US" sz="1600" dirty="0">
+                  <a:solidFill>
+                    <a:schemeClr val="bg1"/>
+                  </a:solidFill>
+                </a:rPr>
+                <a:t> </a:t>
+              </a:r>
+              <a:r>
+                <a:rPr lang="en-US" sz="1600" dirty="0" err="1">
+                  <a:solidFill>
+                    <a:schemeClr val="bg1"/>
+                  </a:solidFill>
+                </a:rPr>
+                <a:t>trực</a:t>
+              </a:r>
+              <a:r>
+                <a:rPr lang="en-US" sz="1600" dirty="0">
+                  <a:solidFill>
+                    <a:schemeClr val="bg1"/>
+                  </a:solidFill>
+                </a:rPr>
+                <a:t> </a:t>
+              </a:r>
+              <a:r>
+                <a:rPr lang="en-US" sz="1600" dirty="0" err="1">
+                  <a:solidFill>
+                    <a:schemeClr val="bg1"/>
+                  </a:solidFill>
+                </a:rPr>
+                <a:t>tiếp</a:t>
+              </a:r>
+              <a:r>
+                <a:rPr lang="en-US" sz="1600" dirty="0">
+                  <a:solidFill>
+                    <a:schemeClr val="bg1"/>
+                  </a:solidFill>
+                </a:rPr>
+                <a:t>, </a:t>
+              </a:r>
+              <a:r>
+                <a:rPr lang="en-US" sz="1600" dirty="0" err="1">
+                  <a:solidFill>
+                    <a:schemeClr val="bg1"/>
+                  </a:solidFill>
+                </a:rPr>
+                <a:t>khó</a:t>
+              </a:r>
+              <a:r>
+                <a:rPr lang="en-US" sz="1600" dirty="0">
+                  <a:solidFill>
+                    <a:schemeClr val="bg1"/>
+                  </a:solidFill>
+                </a:rPr>
+                <a:t> quản </a:t>
+              </a:r>
+              <a:r>
+                <a:rPr lang="en-US" sz="1600" dirty="0" err="1">
+                  <a:solidFill>
+                    <a:schemeClr val="bg1"/>
+                  </a:solidFill>
+                </a:rPr>
+                <a:t>lý</a:t>
+              </a:r>
+              <a:r>
+                <a:rPr lang="en-US" sz="1600" dirty="0">
+                  <a:solidFill>
+                    <a:schemeClr val="bg1"/>
+                  </a:solidFill>
+                </a:rPr>
+                <a:t> </a:t>
+              </a:r>
+              <a:r>
+                <a:rPr lang="en-US" sz="1600" dirty="0" err="1">
+                  <a:solidFill>
+                    <a:schemeClr val="bg1"/>
+                  </a:solidFill>
+                </a:rPr>
+                <a:t>mọi</a:t>
+              </a:r>
+              <a:r>
+                <a:rPr lang="en-US" sz="1600" dirty="0">
+                  <a:solidFill>
+                    <a:schemeClr val="bg1"/>
+                  </a:solidFill>
+                </a:rPr>
+                <a:t> </a:t>
+              </a:r>
+              <a:r>
+                <a:rPr lang="en-US" sz="1600" dirty="0" err="1">
+                  <a:solidFill>
+                    <a:schemeClr val="bg1"/>
+                  </a:solidFill>
+                </a:rPr>
+                <a:t>việc</a:t>
+              </a:r>
+              <a:endParaRPr lang="vi-VN" sz="1600" dirty="0">
+                <a:solidFill>
+                  <a:schemeClr val="bg1"/>
+                </a:solidFill>
+              </a:endParaRPr>
             </a:p>
             <a:p>
               <a:pPr>
@@ -4537,13 +4732,250 @@
                 <a:buChar char="•"/>
               </a:pPr>
               <a:r>
-                <a:rPr lang="vi-VN" sz="1600" dirty="0">
+                <a:rPr lang="en-US" sz="1600" dirty="0" err="1">
                   <a:solidFill>
                     <a:schemeClr val="bg1"/>
                   </a:solidFill>
                 </a:rPr>
-                <a:t>Cần có hệ thống mới, tiên tiến, hiện đại hơn, có những chức năng cơ bản để quản lí cửa hàng, có thể xem thống kê, phân quyền rõ ràng cho nhân viên và quản lí, xem lịch sử các thao tác, …</a:t>
-              </a:r>
+                <a:t>Xây</a:t>
+              </a:r>
+              <a:r>
+                <a:rPr lang="en-US" sz="1600" dirty="0">
+                  <a:solidFill>
+                    <a:schemeClr val="bg1"/>
+                  </a:solidFill>
+                </a:rPr>
+                <a:t> </a:t>
+              </a:r>
+              <a:r>
+                <a:rPr lang="en-US" sz="1600" dirty="0" err="1">
+                  <a:solidFill>
+                    <a:schemeClr val="bg1"/>
+                  </a:solidFill>
+                </a:rPr>
+                <a:t>dựng</a:t>
+              </a:r>
+              <a:r>
+                <a:rPr lang="en-US" sz="1600" dirty="0">
+                  <a:solidFill>
+                    <a:schemeClr val="bg1"/>
+                  </a:solidFill>
+                </a:rPr>
+                <a:t> website </a:t>
+              </a:r>
+              <a:r>
+                <a:rPr lang="en-US" sz="1600" dirty="0" err="1">
+                  <a:solidFill>
+                    <a:schemeClr val="bg1"/>
+                  </a:solidFill>
+                </a:rPr>
+                <a:t>bán</a:t>
+              </a:r>
+              <a:r>
+                <a:rPr lang="en-US" sz="1600" dirty="0">
+                  <a:solidFill>
+                    <a:schemeClr val="bg1"/>
+                  </a:solidFill>
+                </a:rPr>
+                <a:t> </a:t>
+              </a:r>
+              <a:r>
+                <a:rPr lang="en-US" sz="1600" dirty="0" err="1">
+                  <a:solidFill>
+                    <a:schemeClr val="bg1"/>
+                  </a:solidFill>
+                </a:rPr>
+                <a:t>hàng</a:t>
+              </a:r>
+              <a:r>
+                <a:rPr lang="en-US" sz="1600" dirty="0">
+                  <a:solidFill>
+                    <a:schemeClr val="bg1"/>
+                  </a:solidFill>
+                </a:rPr>
+                <a:t> </a:t>
+              </a:r>
+              <a:r>
+                <a:rPr lang="en-US" sz="1600" dirty="0" err="1">
+                  <a:solidFill>
+                    <a:schemeClr val="bg1"/>
+                  </a:solidFill>
+                </a:rPr>
+                <a:t>với</a:t>
+              </a:r>
+              <a:r>
+                <a:rPr lang="en-US" sz="1600" dirty="0">
+                  <a:solidFill>
+                    <a:schemeClr val="bg1"/>
+                  </a:solidFill>
+                </a:rPr>
+                <a:t> </a:t>
+              </a:r>
+              <a:r>
+                <a:rPr lang="en-US" sz="1600" dirty="0" err="1">
+                  <a:solidFill>
+                    <a:schemeClr val="bg1"/>
+                  </a:solidFill>
+                </a:rPr>
+                <a:t>các</a:t>
+              </a:r>
+              <a:r>
+                <a:rPr lang="en-US" sz="1600" dirty="0">
+                  <a:solidFill>
+                    <a:schemeClr val="bg1"/>
+                  </a:solidFill>
+                </a:rPr>
+                <a:t> </a:t>
+              </a:r>
+              <a:r>
+                <a:rPr lang="en-US" sz="1600" dirty="0" err="1">
+                  <a:solidFill>
+                    <a:schemeClr val="bg1"/>
+                  </a:solidFill>
+                </a:rPr>
+                <a:t>công</a:t>
+              </a:r>
+              <a:r>
+                <a:rPr lang="en-US" sz="1600" dirty="0">
+                  <a:solidFill>
+                    <a:schemeClr val="bg1"/>
+                  </a:solidFill>
+                </a:rPr>
+                <a:t> </a:t>
+              </a:r>
+              <a:r>
+                <a:rPr lang="en-US" sz="1600" dirty="0" err="1">
+                  <a:solidFill>
+                    <a:schemeClr val="bg1"/>
+                  </a:solidFill>
+                </a:rPr>
+                <a:t>cụ</a:t>
+              </a:r>
+              <a:r>
+                <a:rPr lang="en-US" sz="1600" dirty="0">
+                  <a:solidFill>
+                    <a:schemeClr val="bg1"/>
+                  </a:solidFill>
+                </a:rPr>
+                <a:t> </a:t>
+              </a:r>
+              <a:r>
+                <a:rPr lang="en-US" sz="1600" dirty="0" err="1">
+                  <a:solidFill>
+                    <a:schemeClr val="bg1"/>
+                  </a:solidFill>
+                </a:rPr>
+                <a:t>hữu</a:t>
+              </a:r>
+              <a:r>
+                <a:rPr lang="en-US" sz="1600" dirty="0">
+                  <a:solidFill>
+                    <a:schemeClr val="bg1"/>
+                  </a:solidFill>
+                </a:rPr>
+                <a:t> </a:t>
+              </a:r>
+              <a:r>
+                <a:rPr lang="en-US" sz="1600" dirty="0" err="1">
+                  <a:solidFill>
+                    <a:schemeClr val="bg1"/>
+                  </a:solidFill>
+                </a:rPr>
+                <a:t>hiệu</a:t>
+              </a:r>
+              <a:r>
+                <a:rPr lang="en-US" sz="1600" dirty="0">
+                  <a:solidFill>
+                    <a:schemeClr val="bg1"/>
+                  </a:solidFill>
+                </a:rPr>
+                <a:t> </a:t>
+              </a:r>
+              <a:r>
+                <a:rPr lang="en-US" sz="1600" dirty="0" err="1">
+                  <a:solidFill>
+                    <a:schemeClr val="bg1"/>
+                  </a:solidFill>
+                </a:rPr>
+                <a:t>cho</a:t>
+              </a:r>
+              <a:r>
+                <a:rPr lang="en-US" sz="1600" dirty="0">
+                  <a:solidFill>
+                    <a:schemeClr val="bg1"/>
+                  </a:solidFill>
+                </a:rPr>
+                <a:t> </a:t>
+              </a:r>
+              <a:r>
+                <a:rPr lang="en-US" sz="1600" dirty="0" err="1">
+                  <a:solidFill>
+                    <a:schemeClr val="bg1"/>
+                  </a:solidFill>
+                </a:rPr>
+                <a:t>người</a:t>
+              </a:r>
+              <a:r>
+                <a:rPr lang="en-US" sz="1600" dirty="0">
+                  <a:solidFill>
+                    <a:schemeClr val="bg1"/>
+                  </a:solidFill>
+                </a:rPr>
+                <a:t> </a:t>
+              </a:r>
+              <a:r>
+                <a:rPr lang="en-US" sz="1600" dirty="0" err="1">
+                  <a:solidFill>
+                    <a:schemeClr val="bg1"/>
+                  </a:solidFill>
+                </a:rPr>
+                <a:t>bán</a:t>
+              </a:r>
+              <a:r>
+                <a:rPr lang="en-US" sz="1600" dirty="0">
+                  <a:solidFill>
+                    <a:schemeClr val="bg1"/>
+                  </a:solidFill>
+                </a:rPr>
+                <a:t> </a:t>
+              </a:r>
+              <a:r>
+                <a:rPr lang="en-US" sz="1600" dirty="0" err="1">
+                  <a:solidFill>
+                    <a:schemeClr val="bg1"/>
+                  </a:solidFill>
+                </a:rPr>
+                <a:t>lẫn</a:t>
+              </a:r>
+              <a:r>
+                <a:rPr lang="en-US" sz="1600" dirty="0">
+                  <a:solidFill>
+                    <a:schemeClr val="bg1"/>
+                  </a:solidFill>
+                </a:rPr>
+                <a:t> </a:t>
+              </a:r>
+              <a:r>
+                <a:rPr lang="en-US" sz="1600" dirty="0" err="1">
+                  <a:solidFill>
+                    <a:schemeClr val="bg1"/>
+                  </a:solidFill>
+                </a:rPr>
+                <a:t>khách</a:t>
+              </a:r>
+              <a:r>
+                <a:rPr lang="en-US" sz="1600" dirty="0">
+                  <a:solidFill>
+                    <a:schemeClr val="bg1"/>
+                  </a:solidFill>
+                </a:rPr>
+                <a:t> hang.</a:t>
+              </a:r>
+              <a:endParaRPr lang="vi-VN" sz="1600" dirty="0">
+                <a:solidFill>
+                  <a:schemeClr val="bg1"/>
+                </a:solidFill>
+              </a:endParaRPr>
             </a:p>
           </p:txBody>
         </p:sp>
@@ -4724,7 +5156,7 @@
       </p:sp>
       <p:grpSp>
         <p:nvGrpSpPr>
-          <p:cNvPr id="10" name="Group 9" hidden="1">
+          <p:cNvPr id="10" name="Group 9">
             <a:extLst>
               <a:ext uri="{FF2B5EF4-FFF2-40B4-BE49-F238E27FC236}">
                 <a16:creationId xmlns:a16="http://schemas.microsoft.com/office/drawing/2014/main" id="{C0D9E941-06B3-4A30-BFF3-C8F1E0634051}"/>

--- a/document/Đồ án nhóm 31.pptx
+++ b/document/Đồ án nhóm 31.pptx
@@ -113,6 +113,27 @@
     </a:lvl9pPr>
   </p:defaultTextStyle>
   <p:extLst>
+    <p:ext uri="{521415D9-36F7-43E2-AB2F-B90AF26B5E84}">
+      <p14:sectionLst xmlns:p14="http://schemas.microsoft.com/office/powerpoint/2010/main">
+        <p14:section name="Default Section" id="{C608A63B-0179-429E-8C11-2253A27F738F}">
+          <p14:sldIdLst>
+            <p14:sldId id="257"/>
+          </p14:sldIdLst>
+        </p14:section>
+        <p14:section name="Untitled Section" id="{70C82873-20EC-44F4-A765-9C3670FEFF60}">
+          <p14:sldIdLst>
+            <p14:sldId id="284"/>
+            <p14:sldId id="259"/>
+            <p14:sldId id="258"/>
+            <p14:sldId id="285"/>
+            <p14:sldId id="287"/>
+            <p14:sldId id="286"/>
+            <p14:sldId id="288"/>
+            <p14:sldId id="289"/>
+          </p14:sldIdLst>
+        </p14:section>
+      </p14:sectionLst>
+    </p:ext>
     <p:ext uri="{EFAFB233-063F-42B5-8137-9DF3F51BA10A}">
       <p15:sldGuideLst xmlns:p15="http://schemas.microsoft.com/office/powerpoint/2012/main"/>
     </p:ext>
@@ -269,7 +290,7 @@
           <a:p>
             <a:fld id="{3EDDE6C4-EDC3-4791-9B06-FE46BC03A8A6}" type="datetimeFigureOut">
               <a:rPr lang="vi-VN" smtClean="0"/>
-              <a:t>26/02/2022</a:t>
+              <a:t>04/03/2022</a:t>
             </a:fld>
             <a:endParaRPr lang="vi-VN"/>
           </a:p>
@@ -469,7 +490,7 @@
           <a:p>
             <a:fld id="{3EDDE6C4-EDC3-4791-9B06-FE46BC03A8A6}" type="datetimeFigureOut">
               <a:rPr lang="vi-VN" smtClean="0"/>
-              <a:t>26/02/2022</a:t>
+              <a:t>04/03/2022</a:t>
             </a:fld>
             <a:endParaRPr lang="vi-VN"/>
           </a:p>
@@ -679,7 +700,7 @@
           <a:p>
             <a:fld id="{3EDDE6C4-EDC3-4791-9B06-FE46BC03A8A6}" type="datetimeFigureOut">
               <a:rPr lang="vi-VN" smtClean="0"/>
-              <a:t>26/02/2022</a:t>
+              <a:t>04/03/2022</a:t>
             </a:fld>
             <a:endParaRPr lang="vi-VN"/>
           </a:p>
@@ -879,7 +900,7 @@
           <a:p>
             <a:fld id="{3EDDE6C4-EDC3-4791-9B06-FE46BC03A8A6}" type="datetimeFigureOut">
               <a:rPr lang="vi-VN" smtClean="0"/>
-              <a:t>26/02/2022</a:t>
+              <a:t>04/03/2022</a:t>
             </a:fld>
             <a:endParaRPr lang="vi-VN"/>
           </a:p>
@@ -1155,7 +1176,7 @@
           <a:p>
             <a:fld id="{3EDDE6C4-EDC3-4791-9B06-FE46BC03A8A6}" type="datetimeFigureOut">
               <a:rPr lang="vi-VN" smtClean="0"/>
-              <a:t>26/02/2022</a:t>
+              <a:t>04/03/2022</a:t>
             </a:fld>
             <a:endParaRPr lang="vi-VN"/>
           </a:p>
@@ -1423,7 +1444,7 @@
           <a:p>
             <a:fld id="{3EDDE6C4-EDC3-4791-9B06-FE46BC03A8A6}" type="datetimeFigureOut">
               <a:rPr lang="vi-VN" smtClean="0"/>
-              <a:t>26/02/2022</a:t>
+              <a:t>04/03/2022</a:t>
             </a:fld>
             <a:endParaRPr lang="vi-VN"/>
           </a:p>
@@ -1838,7 +1859,7 @@
           <a:p>
             <a:fld id="{3EDDE6C4-EDC3-4791-9B06-FE46BC03A8A6}" type="datetimeFigureOut">
               <a:rPr lang="vi-VN" smtClean="0"/>
-              <a:t>26/02/2022</a:t>
+              <a:t>04/03/2022</a:t>
             </a:fld>
             <a:endParaRPr lang="vi-VN"/>
           </a:p>
@@ -1980,7 +2001,7 @@
           <a:p>
             <a:fld id="{3EDDE6C4-EDC3-4791-9B06-FE46BC03A8A6}" type="datetimeFigureOut">
               <a:rPr lang="vi-VN" smtClean="0"/>
-              <a:t>26/02/2022</a:t>
+              <a:t>04/03/2022</a:t>
             </a:fld>
             <a:endParaRPr lang="vi-VN"/>
           </a:p>
@@ -2093,7 +2114,7 @@
           <a:p>
             <a:fld id="{3EDDE6C4-EDC3-4791-9B06-FE46BC03A8A6}" type="datetimeFigureOut">
               <a:rPr lang="vi-VN" smtClean="0"/>
-              <a:t>26/02/2022</a:t>
+              <a:t>04/03/2022</a:t>
             </a:fld>
             <a:endParaRPr lang="vi-VN"/>
           </a:p>
@@ -2406,7 +2427,7 @@
           <a:p>
             <a:fld id="{3EDDE6C4-EDC3-4791-9B06-FE46BC03A8A6}" type="datetimeFigureOut">
               <a:rPr lang="vi-VN" smtClean="0"/>
-              <a:t>26/02/2022</a:t>
+              <a:t>04/03/2022</a:t>
             </a:fld>
             <a:endParaRPr lang="vi-VN"/>
           </a:p>
@@ -2695,7 +2716,7 @@
           <a:p>
             <a:fld id="{3EDDE6C4-EDC3-4791-9B06-FE46BC03A8A6}" type="datetimeFigureOut">
               <a:rPr lang="vi-VN" smtClean="0"/>
-              <a:t>26/02/2022</a:t>
+              <a:t>04/03/2022</a:t>
             </a:fld>
             <a:endParaRPr lang="vi-VN"/>
           </a:p>
@@ -2938,7 +2959,7 @@
           <a:p>
             <a:fld id="{3EDDE6C4-EDC3-4791-9B06-FE46BC03A8A6}" type="datetimeFigureOut">
               <a:rPr lang="vi-VN" smtClean="0"/>
-              <a:t>26/02/2022</a:t>
+              <a:t>04/03/2022</a:t>
             </a:fld>
             <a:endParaRPr lang="vi-VN"/>
           </a:p>
@@ -4102,9 +4123,9 @@
         <p:grpSpPr>
           <a:xfrm>
             <a:off x="273050" y="191218"/>
-            <a:ext cx="6387945" cy="4180766"/>
+            <a:ext cx="6387945" cy="5005927"/>
             <a:chOff x="342514" y="166481"/>
-            <a:chExt cx="6387945" cy="4180766"/>
+            <a:chExt cx="6387945" cy="5005927"/>
           </a:xfrm>
         </p:grpSpPr>
         <p:cxnSp>
@@ -4214,7 +4235,7 @@
           <p:spPr>
             <a:xfrm>
               <a:off x="342514" y="1340077"/>
-              <a:ext cx="6387945" cy="3007170"/>
+              <a:ext cx="6387945" cy="3832331"/>
             </a:xfrm>
             <a:prstGeom prst="rect">
               <a:avLst/>
@@ -4238,11 +4259,11 @@
                     <a:schemeClr val="bg1"/>
                   </a:solidFill>
                 </a:rPr>
-                <a:t>1 Đưa ra vấn đề</a:t>
+                <a:t>1. Đưa ra vấn đề</a:t>
               </a:r>
             </a:p>
             <a:p>
-              <a:pPr marL="285750" indent="-285750" algn="just">
+              <a:pPr marL="285750" indent="-285750">
                 <a:lnSpc>
                   <a:spcPct val="150000"/>
                 </a:lnSpc>
@@ -4250,178 +4271,13 @@
                 <a:buChar char="•"/>
               </a:pPr>
               <a:r>
-                <a:rPr lang="en-US" sz="1600" dirty="0" err="1">
+                <a:rPr lang="vi-VN" sz="1400" dirty="0">
                   <a:solidFill>
                     <a:schemeClr val="bg1"/>
                   </a:solidFill>
                 </a:rPr>
-                <a:t>Hiện</a:t>
+                <a:t>Hiện nay việc kinh doanh  online đã trở thành một xu hướng tất yếu, đặc biệt là trong tình hình kinh tế xã hội có nhiều biến động.</a:t>
               </a:r>
-              <a:r>
-                <a:rPr lang="en-US" sz="1600" dirty="0">
-                  <a:solidFill>
-                    <a:schemeClr val="bg1"/>
-                  </a:solidFill>
-                </a:rPr>
-                <a:t> nay </a:t>
-              </a:r>
-              <a:r>
-                <a:rPr lang="en-US" sz="1600" dirty="0" err="1">
-                  <a:solidFill>
-                    <a:schemeClr val="bg1"/>
-                  </a:solidFill>
-                </a:rPr>
-                <a:t>việc</a:t>
-              </a:r>
-              <a:r>
-                <a:rPr lang="en-US" sz="1600" dirty="0">
-                  <a:solidFill>
-                    <a:schemeClr val="bg1"/>
-                  </a:solidFill>
-                </a:rPr>
-                <a:t> </a:t>
-              </a:r>
-              <a:r>
-                <a:rPr lang="en-US" sz="1600" dirty="0" err="1">
-                  <a:solidFill>
-                    <a:schemeClr val="bg1"/>
-                  </a:solidFill>
-                </a:rPr>
-                <a:t>kinh</a:t>
-              </a:r>
-              <a:r>
-                <a:rPr lang="en-US" sz="1600" dirty="0">
-                  <a:solidFill>
-                    <a:schemeClr val="bg1"/>
-                  </a:solidFill>
-                </a:rPr>
-                <a:t> </a:t>
-              </a:r>
-              <a:r>
-                <a:rPr lang="en-US" sz="1600" dirty="0" err="1">
-                  <a:solidFill>
-                    <a:schemeClr val="bg1"/>
-                  </a:solidFill>
-                </a:rPr>
-                <a:t>doanh</a:t>
-              </a:r>
-              <a:r>
-                <a:rPr lang="en-US" sz="1600" dirty="0">
-                  <a:solidFill>
-                    <a:schemeClr val="bg1"/>
-                  </a:solidFill>
-                </a:rPr>
-                <a:t> online </a:t>
-              </a:r>
-              <a:r>
-                <a:rPr lang="en-US" sz="1600" dirty="0" err="1">
-                  <a:solidFill>
-                    <a:schemeClr val="bg1"/>
-                  </a:solidFill>
-                </a:rPr>
-                <a:t>đã</a:t>
-              </a:r>
-              <a:r>
-                <a:rPr lang="en-US" sz="1600" dirty="0">
-                  <a:solidFill>
-                    <a:schemeClr val="bg1"/>
-                  </a:solidFill>
-                </a:rPr>
-                <a:t> </a:t>
-              </a:r>
-              <a:r>
-                <a:rPr lang="en-US" sz="1600" dirty="0" err="1">
-                  <a:solidFill>
-                    <a:schemeClr val="bg1"/>
-                  </a:solidFill>
-                </a:rPr>
-                <a:t>trở</a:t>
-              </a:r>
-              <a:r>
-                <a:rPr lang="en-US" sz="1600" dirty="0">
-                  <a:solidFill>
-                    <a:schemeClr val="bg1"/>
-                  </a:solidFill>
-                </a:rPr>
-                <a:t> </a:t>
-              </a:r>
-              <a:r>
-                <a:rPr lang="en-US" sz="1600" dirty="0" err="1">
-                  <a:solidFill>
-                    <a:schemeClr val="bg1"/>
-                  </a:solidFill>
-                </a:rPr>
-                <a:t>thành</a:t>
-              </a:r>
-              <a:r>
-                <a:rPr lang="en-US" sz="1600" dirty="0">
-                  <a:solidFill>
-                    <a:schemeClr val="bg1"/>
-                  </a:solidFill>
-                </a:rPr>
-                <a:t> </a:t>
-              </a:r>
-              <a:r>
-                <a:rPr lang="en-US" sz="1600" dirty="0" err="1">
-                  <a:solidFill>
-                    <a:schemeClr val="bg1"/>
-                  </a:solidFill>
-                </a:rPr>
-                <a:t>một</a:t>
-              </a:r>
-              <a:r>
-                <a:rPr lang="en-US" sz="1600" dirty="0">
-                  <a:solidFill>
-                    <a:schemeClr val="bg1"/>
-                  </a:solidFill>
-                </a:rPr>
-                <a:t> xu </a:t>
-              </a:r>
-              <a:r>
-                <a:rPr lang="en-US" sz="1600" dirty="0" err="1">
-                  <a:solidFill>
-                    <a:schemeClr val="bg1"/>
-                  </a:solidFill>
-                </a:rPr>
-                <a:t>hướng</a:t>
-              </a:r>
-              <a:r>
-                <a:rPr lang="en-US" sz="1600" dirty="0">
-                  <a:solidFill>
-                    <a:schemeClr val="bg1"/>
-                  </a:solidFill>
-                </a:rPr>
-                <a:t> </a:t>
-              </a:r>
-              <a:r>
-                <a:rPr lang="en-US" sz="1600" dirty="0" err="1">
-                  <a:solidFill>
-                    <a:schemeClr val="bg1"/>
-                  </a:solidFill>
-                </a:rPr>
-                <a:t>tất</a:t>
-              </a:r>
-              <a:r>
-                <a:rPr lang="en-US" sz="1600" dirty="0">
-                  <a:solidFill>
-                    <a:schemeClr val="bg1"/>
-                  </a:solidFill>
-                </a:rPr>
-                <a:t> </a:t>
-              </a:r>
-              <a:r>
-                <a:rPr lang="en-US" sz="1600" dirty="0" err="1">
-                  <a:solidFill>
-                    <a:schemeClr val="bg1"/>
-                  </a:solidFill>
-                </a:rPr>
-                <a:t>yếu</a:t>
-              </a:r>
-              <a:endParaRPr lang="vi-VN" sz="1600" dirty="0">
-                <a:solidFill>
-                  <a:schemeClr val="bg1"/>
-                </a:solidFill>
-              </a:endParaRPr>
             </a:p>
             <a:p>
               <a:pPr>
@@ -4435,7 +4291,7 @@
                     <a:schemeClr val="bg1"/>
                   </a:solidFill>
                 </a:rPr>
-                <a:t>2 Hệ thống hiện tại</a:t>
+                <a:t>2. Hệ thống hiện tại</a:t>
               </a:r>
             </a:p>
             <a:p>
@@ -4447,253 +4303,52 @@
                 <a:buChar char="•"/>
               </a:pPr>
               <a:r>
-                <a:rPr lang="en-US" sz="1600" dirty="0" err="1">
+                <a:rPr lang="vi-VN" sz="1400" dirty="0">
                   <a:solidFill>
                     <a:schemeClr val="bg1"/>
                   </a:solidFill>
                 </a:rPr>
-                <a:t>Việc</a:t>
+                <a:t>Việc kinh doanh của các cửa hàng chủ yếu là bán trực tiếp, khó quản lý trong mọi hoạt động.</a:t>
               </a:r>
+            </a:p>
+            <a:p>
+              <a:pPr>
+                <a:lnSpc>
+                  <a:spcPct val="150000"/>
+                </a:lnSpc>
+              </a:pPr>
               <a:r>
-                <a:rPr lang="en-US" sz="1600" dirty="0">
+                <a:rPr lang="vi-VN" sz="1600" dirty="0">
                   <a:solidFill>
                     <a:schemeClr val="bg1"/>
                   </a:solidFill>
                 </a:rPr>
-                <a:t> </a:t>
+                <a:t>3. Hệ thống đề nghị</a:t>
               </a:r>
+            </a:p>
+            <a:p>
+              <a:pPr marL="285750" indent="-285750" algn="just">
+                <a:lnSpc>
+                  <a:spcPct val="150000"/>
+                </a:lnSpc>
+                <a:buFont typeface="Arial" panose="020B0604020202020204" pitchFamily="34" charset="0"/>
+                <a:buChar char="•"/>
+              </a:pPr>
               <a:r>
-                <a:rPr lang="en-US" sz="1600" dirty="0" err="1">
+                <a:rPr lang="vi-VN" sz="1400" dirty="0">
                   <a:solidFill>
                     <a:schemeClr val="bg1"/>
                   </a:solidFill>
                 </a:rPr>
-                <a:t>bán</a:t>
+                <a:t>Xây dựng website bán hàng với các công cụ quản lý hữu hiệu cho cả khách hàng lẫn bên bán hàng</a:t>
               </a:r>
-              <a:r>
-                <a:rPr lang="en-US" sz="1600" dirty="0">
-                  <a:solidFill>
-                    <a:schemeClr val="bg1"/>
-                  </a:solidFill>
-                </a:rPr>
-                <a:t> </a:t>
-              </a:r>
-              <a:r>
-                <a:rPr lang="en-US" sz="1600" dirty="0" err="1">
-                  <a:solidFill>
-                    <a:schemeClr val="bg1"/>
-                  </a:solidFill>
-                </a:rPr>
-                <a:t>hàng</a:t>
-              </a:r>
-              <a:r>
-                <a:rPr lang="en-US" sz="1600" dirty="0">
-                  <a:solidFill>
-                    <a:schemeClr val="bg1"/>
-                  </a:solidFill>
-                </a:rPr>
-                <a:t> của </a:t>
-              </a:r>
-              <a:r>
-                <a:rPr lang="en-US" sz="1600" dirty="0" err="1">
-                  <a:solidFill>
-                    <a:schemeClr val="bg1"/>
-                  </a:solidFill>
-                </a:rPr>
-                <a:t>các</a:t>
-              </a:r>
-              <a:r>
-                <a:rPr lang="en-US" sz="1600" dirty="0">
-                  <a:solidFill>
-                    <a:schemeClr val="bg1"/>
-                  </a:solidFill>
-                </a:rPr>
-                <a:t> </a:t>
-              </a:r>
-              <a:r>
-                <a:rPr lang="en-US" sz="1600" dirty="0" err="1">
-                  <a:solidFill>
-                    <a:schemeClr val="bg1"/>
-                  </a:solidFill>
-                </a:rPr>
-                <a:t>cửa</a:t>
-              </a:r>
-              <a:r>
-                <a:rPr lang="en-US" sz="1600" dirty="0">
-                  <a:solidFill>
-                    <a:schemeClr val="bg1"/>
-                  </a:solidFill>
-                </a:rPr>
-                <a:t> </a:t>
-              </a:r>
-              <a:r>
-                <a:rPr lang="en-US" sz="1600" dirty="0" err="1">
-                  <a:solidFill>
-                    <a:schemeClr val="bg1"/>
-                  </a:solidFill>
-                </a:rPr>
-                <a:t>hàng</a:t>
-              </a:r>
-              <a:r>
-                <a:rPr lang="en-US" sz="1600" dirty="0">
-                  <a:solidFill>
-                    <a:schemeClr val="bg1"/>
-                  </a:solidFill>
-                </a:rPr>
-                <a:t> </a:t>
-              </a:r>
-              <a:r>
-                <a:rPr lang="en-US" sz="1600" dirty="0" err="1">
-                  <a:solidFill>
-                    <a:schemeClr val="bg1"/>
-                  </a:solidFill>
-                </a:rPr>
-                <a:t>chủ</a:t>
-              </a:r>
-              <a:r>
-                <a:rPr lang="en-US" sz="1600" dirty="0">
-                  <a:solidFill>
-                    <a:schemeClr val="bg1"/>
-                  </a:solidFill>
-                </a:rPr>
-                <a:t> </a:t>
-              </a:r>
-              <a:r>
-                <a:rPr lang="en-US" sz="1600" dirty="0" err="1">
-                  <a:solidFill>
-                    <a:schemeClr val="bg1"/>
-                  </a:solidFill>
-                </a:rPr>
-                <a:t>yếu</a:t>
-              </a:r>
-              <a:r>
-                <a:rPr lang="en-US" sz="1600" dirty="0">
-                  <a:solidFill>
-                    <a:schemeClr val="bg1"/>
-                  </a:solidFill>
-                </a:rPr>
-                <a:t> </a:t>
-              </a:r>
-              <a:r>
-                <a:rPr lang="en-US" sz="1600" dirty="0" err="1">
-                  <a:solidFill>
-                    <a:schemeClr val="bg1"/>
-                  </a:solidFill>
-                </a:rPr>
-                <a:t>là</a:t>
-              </a:r>
-              <a:r>
-                <a:rPr lang="en-US" sz="1600" dirty="0">
-                  <a:solidFill>
-                    <a:schemeClr val="bg1"/>
-                  </a:solidFill>
-                </a:rPr>
-                <a:t> </a:t>
-              </a:r>
-              <a:r>
-                <a:rPr lang="en-US" sz="1600" dirty="0" err="1">
-                  <a:solidFill>
-                    <a:schemeClr val="bg1"/>
-                  </a:solidFill>
-                </a:rPr>
-                <a:t>bán</a:t>
-              </a:r>
-              <a:r>
-                <a:rPr lang="en-US" sz="1600" dirty="0">
-                  <a:solidFill>
-                    <a:schemeClr val="bg1"/>
-                  </a:solidFill>
-                </a:rPr>
-                <a:t> </a:t>
-              </a:r>
-              <a:r>
-                <a:rPr lang="en-US" sz="1600" dirty="0" err="1">
-                  <a:solidFill>
-                    <a:schemeClr val="bg1"/>
-                  </a:solidFill>
-                </a:rPr>
-                <a:t>trực</a:t>
-              </a:r>
-              <a:r>
-                <a:rPr lang="en-US" sz="1600" dirty="0">
-                  <a:solidFill>
-                    <a:schemeClr val="bg1"/>
-                  </a:solidFill>
-                </a:rPr>
-                <a:t> </a:t>
-              </a:r>
-              <a:r>
-                <a:rPr lang="en-US" sz="1600" dirty="0" err="1">
-                  <a:solidFill>
-                    <a:schemeClr val="bg1"/>
-                  </a:solidFill>
-                </a:rPr>
-                <a:t>tiếp</a:t>
-              </a:r>
-              <a:r>
-                <a:rPr lang="en-US" sz="1600" dirty="0">
-                  <a:solidFill>
-                    <a:schemeClr val="bg1"/>
-                  </a:solidFill>
-                </a:rPr>
-                <a:t>, </a:t>
-              </a:r>
-              <a:r>
-                <a:rPr lang="en-US" sz="1600" dirty="0" err="1">
-                  <a:solidFill>
-                    <a:schemeClr val="bg1"/>
-                  </a:solidFill>
-                </a:rPr>
-                <a:t>khó</a:t>
-              </a:r>
-              <a:r>
-                <a:rPr lang="en-US" sz="1600" dirty="0">
-                  <a:solidFill>
-                    <a:schemeClr val="bg1"/>
-                  </a:solidFill>
-                </a:rPr>
-                <a:t> quản </a:t>
-              </a:r>
-              <a:r>
-                <a:rPr lang="en-US" sz="1600" dirty="0" err="1">
-                  <a:solidFill>
-                    <a:schemeClr val="bg1"/>
-                  </a:solidFill>
-                </a:rPr>
-                <a:t>lý</a:t>
-              </a:r>
-              <a:r>
-                <a:rPr lang="en-US" sz="1600" dirty="0">
-                  <a:solidFill>
-                    <a:schemeClr val="bg1"/>
-                  </a:solidFill>
-                </a:rPr>
-                <a:t> </a:t>
-              </a:r>
-              <a:r>
-                <a:rPr lang="en-US" sz="1600" dirty="0" err="1">
-                  <a:solidFill>
-                    <a:schemeClr val="bg1"/>
-                  </a:solidFill>
-                </a:rPr>
-                <a:t>mọi</a:t>
-              </a:r>
-              <a:r>
-                <a:rPr lang="en-US" sz="1600" dirty="0">
-                  <a:solidFill>
-                    <a:schemeClr val="bg1"/>
-                  </a:solidFill>
-                </a:rPr>
-                <a:t> </a:t>
-              </a:r>
-              <a:r>
-                <a:rPr lang="en-US" sz="1600" dirty="0" err="1">
-                  <a:solidFill>
-                    <a:schemeClr val="bg1"/>
-                  </a:solidFill>
-                </a:rPr>
-                <a:t>việc</a:t>
-              </a:r>
+            </a:p>
+            <a:p>
+              <a:pPr>
+                <a:lnSpc>
+                  <a:spcPct val="150000"/>
+                </a:lnSpc>
+              </a:pPr>
               <a:endParaRPr lang="vi-VN" sz="1600" dirty="0">
                 <a:solidFill>
                   <a:schemeClr val="bg1"/>
@@ -4706,271 +4361,6 @@
                   <a:spcPct val="150000"/>
                 </a:lnSpc>
               </a:pPr>
-              <a:r>
-                <a:rPr lang="en-US" sz="1600" dirty="0">
-                  <a:solidFill>
-                    <a:schemeClr val="bg1"/>
-                  </a:solidFill>
-                </a:rPr>
-                <a:t>3</a:t>
-              </a:r>
-              <a:r>
-                <a:rPr lang="vi-VN" sz="1600" dirty="0">
-                  <a:solidFill>
-                    <a:schemeClr val="bg1"/>
-                  </a:solidFill>
-                </a:rPr>
-                <a:t> Hệ thống đề nghị</a:t>
-              </a:r>
-            </a:p>
-            <a:p>
-              <a:pPr marL="285750" indent="-285750" algn="just">
-                <a:lnSpc>
-                  <a:spcPct val="150000"/>
-                </a:lnSpc>
-                <a:buFont typeface="Arial" panose="020B0604020202020204" pitchFamily="34" charset="0"/>
-                <a:buChar char="•"/>
-              </a:pPr>
-              <a:r>
-                <a:rPr lang="en-US" sz="1600" dirty="0" err="1">
-                  <a:solidFill>
-                    <a:schemeClr val="bg1"/>
-                  </a:solidFill>
-                </a:rPr>
-                <a:t>Xây</a:t>
-              </a:r>
-              <a:r>
-                <a:rPr lang="en-US" sz="1600" dirty="0">
-                  <a:solidFill>
-                    <a:schemeClr val="bg1"/>
-                  </a:solidFill>
-                </a:rPr>
-                <a:t> </a:t>
-              </a:r>
-              <a:r>
-                <a:rPr lang="en-US" sz="1600" dirty="0" err="1">
-                  <a:solidFill>
-                    <a:schemeClr val="bg1"/>
-                  </a:solidFill>
-                </a:rPr>
-                <a:t>dựng</a:t>
-              </a:r>
-              <a:r>
-                <a:rPr lang="en-US" sz="1600" dirty="0">
-                  <a:solidFill>
-                    <a:schemeClr val="bg1"/>
-                  </a:solidFill>
-                </a:rPr>
-                <a:t> website </a:t>
-              </a:r>
-              <a:r>
-                <a:rPr lang="en-US" sz="1600" dirty="0" err="1">
-                  <a:solidFill>
-                    <a:schemeClr val="bg1"/>
-                  </a:solidFill>
-                </a:rPr>
-                <a:t>bán</a:t>
-              </a:r>
-              <a:r>
-                <a:rPr lang="en-US" sz="1600" dirty="0">
-                  <a:solidFill>
-                    <a:schemeClr val="bg1"/>
-                  </a:solidFill>
-                </a:rPr>
-                <a:t> </a:t>
-              </a:r>
-              <a:r>
-                <a:rPr lang="en-US" sz="1600" dirty="0" err="1">
-                  <a:solidFill>
-                    <a:schemeClr val="bg1"/>
-                  </a:solidFill>
-                </a:rPr>
-                <a:t>hàng</a:t>
-              </a:r>
-              <a:r>
-                <a:rPr lang="en-US" sz="1600" dirty="0">
-                  <a:solidFill>
-                    <a:schemeClr val="bg1"/>
-                  </a:solidFill>
-                </a:rPr>
-                <a:t> </a:t>
-              </a:r>
-              <a:r>
-                <a:rPr lang="en-US" sz="1600" dirty="0" err="1">
-                  <a:solidFill>
-                    <a:schemeClr val="bg1"/>
-                  </a:solidFill>
-                </a:rPr>
-                <a:t>với</a:t>
-              </a:r>
-              <a:r>
-                <a:rPr lang="en-US" sz="1600" dirty="0">
-                  <a:solidFill>
-                    <a:schemeClr val="bg1"/>
-                  </a:solidFill>
-                </a:rPr>
-                <a:t> </a:t>
-              </a:r>
-              <a:r>
-                <a:rPr lang="en-US" sz="1600" dirty="0" err="1">
-                  <a:solidFill>
-                    <a:schemeClr val="bg1"/>
-                  </a:solidFill>
-                </a:rPr>
-                <a:t>các</a:t>
-              </a:r>
-              <a:r>
-                <a:rPr lang="en-US" sz="1600" dirty="0">
-                  <a:solidFill>
-                    <a:schemeClr val="bg1"/>
-                  </a:solidFill>
-                </a:rPr>
-                <a:t> </a:t>
-              </a:r>
-              <a:r>
-                <a:rPr lang="en-US" sz="1600" dirty="0" err="1">
-                  <a:solidFill>
-                    <a:schemeClr val="bg1"/>
-                  </a:solidFill>
-                </a:rPr>
-                <a:t>công</a:t>
-              </a:r>
-              <a:r>
-                <a:rPr lang="en-US" sz="1600" dirty="0">
-                  <a:solidFill>
-                    <a:schemeClr val="bg1"/>
-                  </a:solidFill>
-                </a:rPr>
-                <a:t> </a:t>
-              </a:r>
-              <a:r>
-                <a:rPr lang="en-US" sz="1600" dirty="0" err="1">
-                  <a:solidFill>
-                    <a:schemeClr val="bg1"/>
-                  </a:solidFill>
-                </a:rPr>
-                <a:t>cụ</a:t>
-              </a:r>
-              <a:r>
-                <a:rPr lang="en-US" sz="1600" dirty="0">
-                  <a:solidFill>
-                    <a:schemeClr val="bg1"/>
-                  </a:solidFill>
-                </a:rPr>
-                <a:t> </a:t>
-              </a:r>
-              <a:r>
-                <a:rPr lang="en-US" sz="1600" dirty="0" err="1">
-                  <a:solidFill>
-                    <a:schemeClr val="bg1"/>
-                  </a:solidFill>
-                </a:rPr>
-                <a:t>hữu</a:t>
-              </a:r>
-              <a:r>
-                <a:rPr lang="en-US" sz="1600" dirty="0">
-                  <a:solidFill>
-                    <a:schemeClr val="bg1"/>
-                  </a:solidFill>
-                </a:rPr>
-                <a:t> </a:t>
-              </a:r>
-              <a:r>
-                <a:rPr lang="en-US" sz="1600" dirty="0" err="1">
-                  <a:solidFill>
-                    <a:schemeClr val="bg1"/>
-                  </a:solidFill>
-                </a:rPr>
-                <a:t>hiệu</a:t>
-              </a:r>
-              <a:r>
-                <a:rPr lang="en-US" sz="1600" dirty="0">
-                  <a:solidFill>
-                    <a:schemeClr val="bg1"/>
-                  </a:solidFill>
-                </a:rPr>
-                <a:t> </a:t>
-              </a:r>
-              <a:r>
-                <a:rPr lang="en-US" sz="1600" dirty="0" err="1">
-                  <a:solidFill>
-                    <a:schemeClr val="bg1"/>
-                  </a:solidFill>
-                </a:rPr>
-                <a:t>cho</a:t>
-              </a:r>
-              <a:r>
-                <a:rPr lang="en-US" sz="1600" dirty="0">
-                  <a:solidFill>
-                    <a:schemeClr val="bg1"/>
-                  </a:solidFill>
-                </a:rPr>
-                <a:t> </a:t>
-              </a:r>
-              <a:r>
-                <a:rPr lang="en-US" sz="1600" dirty="0" err="1">
-                  <a:solidFill>
-                    <a:schemeClr val="bg1"/>
-                  </a:solidFill>
-                </a:rPr>
-                <a:t>người</a:t>
-              </a:r>
-              <a:r>
-                <a:rPr lang="en-US" sz="1600" dirty="0">
-                  <a:solidFill>
-                    <a:schemeClr val="bg1"/>
-                  </a:solidFill>
-                </a:rPr>
-                <a:t> </a:t>
-              </a:r>
-              <a:r>
-                <a:rPr lang="en-US" sz="1600" dirty="0" err="1">
-                  <a:solidFill>
-                    <a:schemeClr val="bg1"/>
-                  </a:solidFill>
-                </a:rPr>
-                <a:t>bán</a:t>
-              </a:r>
-              <a:r>
-                <a:rPr lang="en-US" sz="1600" dirty="0">
-                  <a:solidFill>
-                    <a:schemeClr val="bg1"/>
-                  </a:solidFill>
-                </a:rPr>
-                <a:t> </a:t>
-              </a:r>
-              <a:r>
-                <a:rPr lang="en-US" sz="1600" dirty="0" err="1">
-                  <a:solidFill>
-                    <a:schemeClr val="bg1"/>
-                  </a:solidFill>
-                </a:rPr>
-                <a:t>lẫn</a:t>
-              </a:r>
-              <a:r>
-                <a:rPr lang="en-US" sz="1600" dirty="0">
-                  <a:solidFill>
-                    <a:schemeClr val="bg1"/>
-                  </a:solidFill>
-                </a:rPr>
-                <a:t> </a:t>
-              </a:r>
-              <a:r>
-                <a:rPr lang="en-US" sz="1600" dirty="0" err="1">
-                  <a:solidFill>
-                    <a:schemeClr val="bg1"/>
-                  </a:solidFill>
-                </a:rPr>
-                <a:t>khách</a:t>
-              </a:r>
-              <a:r>
-                <a:rPr lang="en-US" sz="1600" dirty="0">
-                  <a:solidFill>
-                    <a:schemeClr val="bg1"/>
-                  </a:solidFill>
-                </a:rPr>
-                <a:t> hang.</a:t>
-              </a:r>
               <a:endParaRPr lang="vi-VN" sz="1600" dirty="0">
                 <a:solidFill>
                   <a:schemeClr val="bg1"/>
